--- a/Idea-Presentation-Format-SIH2023-College.pptx
+++ b/Idea-Presentation-Format-SIH2023-College.pptx
@@ -5,35 +5,44 @@
     <p:sldMasterId id="2147483648" r:id="rId1"/>
   </p:sldMasterIdLst>
   <p:notesMasterIdLst>
-    <p:notesMasterId r:id="rId7"/>
+    <p:notesMasterId r:id="rId6"/>
   </p:notesMasterIdLst>
   <p:sldIdLst>
     <p:sldId id="256" r:id="rId2"/>
     <p:sldId id="257" r:id="rId3"/>
     <p:sldId id="258" r:id="rId4"/>
     <p:sldId id="259" r:id="rId5"/>
-    <p:sldId id="260" r:id="rId6"/>
   </p:sldIdLst>
   <p:sldSz cx="12192000" cy="6858000"/>
   <p:notesSz cx="6858000" cy="9144000"/>
   <p:embeddedFontLst>
     <p:embeddedFont>
       <p:font typeface="Calibri" panose="020F0502020204030204" pitchFamily="34" charset="0"/>
-      <p:regular r:id="rId8"/>
-      <p:bold r:id="rId9"/>
-      <p:italic r:id="rId10"/>
-      <p:boldItalic r:id="rId11"/>
+      <p:regular r:id="rId7"/>
+      <p:bold r:id="rId8"/>
+      <p:italic r:id="rId9"/>
+      <p:boldItalic r:id="rId10"/>
     </p:embeddedFont>
     <p:embeddedFont>
       <p:font typeface="Franklin Gothic" panose="020B0604020202020204" charset="0"/>
-      <p:bold r:id="rId12"/>
+      <p:bold r:id="rId11"/>
     </p:embeddedFont>
     <p:embeddedFont>
       <p:font typeface="Libre Franklin" pitchFamily="2" charset="0"/>
-      <p:regular r:id="rId13"/>
-      <p:bold r:id="rId14"/>
-      <p:italic r:id="rId15"/>
-      <p:boldItalic r:id="rId16"/>
+      <p:regular r:id="rId12"/>
+      <p:bold r:id="rId13"/>
+      <p:italic r:id="rId14"/>
+      <p:boldItalic r:id="rId15"/>
+    </p:embeddedFont>
+    <p:embeddedFont>
+      <p:font typeface="Noto Sans Symbols" pitchFamily="2" charset="0"/>
+      <p:regular r:id="rId16"/>
+      <p:bold r:id="rId17"/>
+    </p:embeddedFont>
+    <p:embeddedFont>
+      <p:font typeface="Tahoma" panose="020B0604030504040204" pitchFamily="34" charset="0"/>
+      <p:regular r:id="rId18"/>
+      <p:bold r:id="rId19"/>
     </p:embeddedFont>
   </p:embeddedFontLst>
   <p:defaultTextStyle>
@@ -266,8 +275,11 @@
     </a:lvl9pPr>
   </p:defaultTextStyle>
   <p:extLst>
+    <p:ext uri="{EFAFB233-063F-42B5-8137-9DF3F51BA10A}">
+      <p15:sldGuideLst xmlns:p15="http://schemas.microsoft.com/office/powerpoint/2012/main"/>
+    </p:ext>
     <p:ext uri="http://customooxmlschemas.google.com/">
-      <go:slidesCustomData xmlns:go="http://customooxmlschemas.google.com/" xmlns:ahyp="http://schemas.microsoft.com/office/drawing/2018/hyperlinkcolor" xmlns:p15="http://schemas.microsoft.com/office/powerpoint/2012/main" xmlns:p14="http://schemas.microsoft.com/office/powerpoint/2010/main" xmlns:com="http://schemas.openxmlformats.org/drawingml/2006/compatibility" xmlns:pvml="urn:schemas-microsoft-com:office:powerpoint" xmlns:v="urn:schemas-microsoft-com:vml" xmlns:o="urn:schemas-microsoft-com:office:office" xmlns:dgm="http://schemas.openxmlformats.org/drawingml/2006/diagram" xmlns:c="http://schemas.openxmlformats.org/drawingml/2006/chart" xmlns:mv="urn:schemas-microsoft-com:mac:vml" xmlns:mc="http://schemas.openxmlformats.org/markup-compatibility/2006" xmlns="" r:id="rId17" roundtripDataSignature="AMtx7mi1sBDdHb2XsYteFNPHBFMUQvu/sQ=="/>
+      <go:slidesCustomData xmlns:go="http://customooxmlschemas.google.com/" xmlns:ahyp="http://schemas.microsoft.com/office/drawing/2018/hyperlinkcolor" xmlns:p15="http://schemas.microsoft.com/office/powerpoint/2012/main" xmlns:p14="http://schemas.microsoft.com/office/powerpoint/2010/main" xmlns:com="http://schemas.openxmlformats.org/drawingml/2006/compatibility" xmlns:pvml="urn:schemas-microsoft-com:office:powerpoint" xmlns:v="urn:schemas-microsoft-com:vml" xmlns:o="urn:schemas-microsoft-com:office:office" xmlns:dgm="http://schemas.openxmlformats.org/drawingml/2006/diagram" xmlns:c="http://schemas.openxmlformats.org/drawingml/2006/chart" xmlns:mv="urn:schemas-microsoft-com:mac:vml" xmlns:mc="http://schemas.openxmlformats.org/markup-compatibility/2006" xmlns="" r:id="rId20" roundtripDataSignature="AMtx7mi1sBDdHb2XsYteFNPHBFMUQvu/sQ=="/>
     </p:ext>
   </p:extLst>
 </p:presentation>
@@ -1836,110 +1848,6 @@
       <p:sp>
         <p:nvSpPr>
           <p:cNvPr id="235" name="Google Shape;235;p4:notes"/>
-          <p:cNvSpPr>
-            <a:spLocks noGrp="1" noRot="1" noChangeAspect="1"/>
-          </p:cNvSpPr>
-          <p:nvPr>
-            <p:ph type="sldImg" idx="2"/>
-          </p:nvPr>
-        </p:nvSpPr>
-        <p:spPr>
-          <a:xfrm>
-            <a:off x="685800" y="1143000"/>
-            <a:ext cx="5486400" cy="3086100"/>
-          </a:xfrm>
-          <a:custGeom>
-            <a:avLst/>
-            <a:gdLst/>
-            <a:ahLst/>
-            <a:cxnLst/>
-            <a:rect l="l" t="t" r="r" b="b"/>
-            <a:pathLst>
-              <a:path w="120000" h="120000" extrusionOk="0">
-                <a:moveTo>
-                  <a:pt x="0" y="0"/>
-                </a:moveTo>
-                <a:lnTo>
-                  <a:pt x="120000" y="0"/>
-                </a:lnTo>
-                <a:lnTo>
-                  <a:pt x="120000" y="120000"/>
-                </a:lnTo>
-                <a:lnTo>
-                  <a:pt x="0" y="120000"/>
-                </a:lnTo>
-                <a:close/>
-              </a:path>
-            </a:pathLst>
-          </a:custGeom>
-        </p:spPr>
-      </p:sp>
-    </p:spTree>
-  </p:cSld>
-  <p:clrMapOvr>
-    <a:masterClrMapping/>
-  </p:clrMapOvr>
-</p:notes>
-</file>
-
-<file path=ppt/notesSlides/notesSlide5.xml><?xml version="1.0" encoding="utf-8"?>
-<p:notes xmlns:a="http://schemas.openxmlformats.org/drawingml/2006/main" xmlns:r="http://schemas.openxmlformats.org/officeDocument/2006/relationships" xmlns:p="http://schemas.openxmlformats.org/presentationml/2006/main" showMasterSp="0" showMasterPhAnim="0">
-  <p:cSld>
-    <p:spTree>
-      <p:nvGrpSpPr>
-        <p:cNvPr id="1" name="Shape 239"/>
-        <p:cNvGrpSpPr/>
-        <p:nvPr/>
-      </p:nvGrpSpPr>
-      <p:grpSpPr>
-        <a:xfrm>
-          <a:off x="0" y="0"/>
-          <a:ext cx="0" cy="0"/>
-          <a:chOff x="0" y="0"/>
-          <a:chExt cx="0" cy="0"/>
-        </a:xfrm>
-      </p:grpSpPr>
-      <p:sp>
-        <p:nvSpPr>
-          <p:cNvPr id="240" name="Google Shape;240;p5:notes"/>
-          <p:cNvSpPr txBox="1">
-            <a:spLocks noGrp="1"/>
-          </p:cNvSpPr>
-          <p:nvPr>
-            <p:ph type="body" idx="1"/>
-          </p:nvPr>
-        </p:nvSpPr>
-        <p:spPr>
-          <a:xfrm>
-            <a:off x="685800" y="4400550"/>
-            <a:ext cx="5486400" cy="3600450"/>
-          </a:xfrm>
-          <a:prstGeom prst="rect">
-            <a:avLst/>
-          </a:prstGeom>
-        </p:spPr>
-        <p:txBody>
-          <a:bodyPr spcFirstLastPara="1" wrap="square" lIns="91425" tIns="45700" rIns="91425" bIns="45700" anchor="t" anchorCtr="0">
-            <a:noAutofit/>
-          </a:bodyPr>
-          <a:lstStyle/>
-          <a:p>
-            <a:pPr marL="0" lvl="0" indent="0" algn="l" rtl="0">
-              <a:spcBef>
-                <a:spcPts val="0"/>
-              </a:spcBef>
-              <a:spcAft>
-                <a:spcPts val="0"/>
-              </a:spcAft>
-              <a:buNone/>
-            </a:pPr>
-            <a:endParaRPr/>
-          </a:p>
-        </p:txBody>
-      </p:sp>
-      <p:sp>
-        <p:nvSpPr>
-          <p:cNvPr id="241" name="Google Shape;241;p5:notes"/>
           <p:cNvSpPr>
             <a:spLocks noGrp="1" noRot="1" noChangeAspect="1"/>
           </p:cNvSpPr>
@@ -24312,10 +24220,14 @@
               <a:buNone/>
             </a:pPr>
             <a:r>
-              <a:rPr lang="en-US" sz="3600" b="1"/>
+              <a:rPr lang="en-US" sz="3600" b="1" dirty="0">
+                <a:latin typeface="+mj-lt"/>
+              </a:rPr>
               <a:t>Basic Details of the Team and Problem Statement</a:t>
             </a:r>
-            <a:endParaRPr/>
+            <a:endParaRPr dirty="0">
+              <a:latin typeface="+mj-lt"/>
+            </a:endParaRPr>
           </a:p>
         </p:txBody>
       </p:sp>
@@ -24365,15 +24277,17 @@
               <a:buNone/>
             </a:pPr>
             <a:r>
-              <a:rPr lang="en-US">
-                <a:latin typeface="Franklin Gothic"/>
+              <a:rPr lang="en-US" b="1" dirty="0">
+                <a:latin typeface="+mj-lt"/>
                 <a:ea typeface="Franklin Gothic"/>
                 <a:cs typeface="Franklin Gothic"/>
                 <a:sym typeface="Franklin Gothic"/>
               </a:rPr>
               <a:t>Ministry/Organization Name/Student Innovation: </a:t>
             </a:r>
-            <a:endParaRPr/>
+            <a:endParaRPr b="1" dirty="0">
+              <a:latin typeface="+mj-lt"/>
+            </a:endParaRPr>
           </a:p>
           <a:p>
             <a:pPr marL="0" lvl="0" indent="0" algn="l" rtl="0">
@@ -24392,8 +24306,441 @@
               <a:buSzPts val="1800"/>
               <a:buNone/>
             </a:pPr>
-            <a:endParaRPr>
-              <a:latin typeface="Franklin Gothic"/>
+            <a:r>
+              <a:rPr lang="en-US" b="0" i="0" dirty="0">
+                <a:solidFill>
+                  <a:srgbClr val="212529"/>
+                </a:solidFill>
+                <a:effectLst/>
+                <a:latin typeface="Tahoma" panose="020B0604030504040204" pitchFamily="34" charset="0"/>
+                <a:ea typeface="Tahoma" panose="020B0604030504040204" pitchFamily="34" charset="0"/>
+                <a:cs typeface="Tahoma" panose="020B0604030504040204" pitchFamily="34" charset="0"/>
+              </a:rPr>
+              <a:t>Ministry of Micro, Small and Medium Enterprises</a:t>
+            </a:r>
+            <a:endParaRPr dirty="0">
+              <a:latin typeface="Tahoma" panose="020B0604030504040204" pitchFamily="34" charset="0"/>
+              <a:ea typeface="Tahoma" panose="020B0604030504040204" pitchFamily="34" charset="0"/>
+              <a:cs typeface="Tahoma" panose="020B0604030504040204" pitchFamily="34" charset="0"/>
+              <a:sym typeface="Franklin Gothic"/>
+            </a:endParaRPr>
+          </a:p>
+          <a:p>
+            <a:pPr marL="0" lvl="0" indent="0" algn="l" rtl="0">
+              <a:lnSpc>
+                <a:spcPct val="90000"/>
+              </a:lnSpc>
+              <a:spcBef>
+                <a:spcPts val="1000"/>
+              </a:spcBef>
+              <a:spcAft>
+                <a:spcPts val="0"/>
+              </a:spcAft>
+              <a:buClr>
+                <a:schemeClr val="lt2"/>
+              </a:buClr>
+              <a:buSzPts val="1800"/>
+              <a:buNone/>
+            </a:pPr>
+            <a:r>
+              <a:rPr lang="en-US" b="1" dirty="0">
+                <a:latin typeface="+mj-lt"/>
+                <a:ea typeface="Franklin Gothic"/>
+                <a:cs typeface="Franklin Gothic"/>
+                <a:sym typeface="Franklin Gothic"/>
+              </a:rPr>
+              <a:t>PS Code: </a:t>
+            </a:r>
+            <a:r>
+              <a:rPr lang="en-IN" b="0" i="0" dirty="0">
+                <a:solidFill>
+                  <a:srgbClr val="212529"/>
+                </a:solidFill>
+                <a:effectLst/>
+                <a:latin typeface="Tahoma" panose="020B0604030504040204" pitchFamily="34" charset="0"/>
+                <a:ea typeface="Tahoma" panose="020B0604030504040204" pitchFamily="34" charset="0"/>
+                <a:cs typeface="Tahoma" panose="020B0604030504040204" pitchFamily="34" charset="0"/>
+              </a:rPr>
+              <a:t>1401</a:t>
+            </a:r>
+            <a:br>
+              <a:rPr lang="en-US" dirty="0">
+                <a:latin typeface="Tahoma" panose="020B0604030504040204" pitchFamily="34" charset="0"/>
+                <a:ea typeface="Tahoma" panose="020B0604030504040204" pitchFamily="34" charset="0"/>
+                <a:cs typeface="Tahoma" panose="020B0604030504040204" pitchFamily="34" charset="0"/>
+                <a:sym typeface="Franklin Gothic"/>
+              </a:rPr>
+            </a:br>
+            <a:r>
+              <a:rPr lang="en-US" b="1" dirty="0">
+                <a:latin typeface="+mj-lt"/>
+                <a:ea typeface="Franklin Gothic"/>
+                <a:cs typeface="Franklin Gothic"/>
+                <a:sym typeface="Franklin Gothic"/>
+              </a:rPr>
+              <a:t>Problem Statement Title:</a:t>
+            </a:r>
+          </a:p>
+          <a:p>
+            <a:pPr marL="0" lvl="0" indent="0" algn="l" rtl="0">
+              <a:lnSpc>
+                <a:spcPct val="90000"/>
+              </a:lnSpc>
+              <a:spcBef>
+                <a:spcPts val="1000"/>
+              </a:spcBef>
+              <a:spcAft>
+                <a:spcPts val="0"/>
+              </a:spcAft>
+              <a:buClr>
+                <a:schemeClr val="lt2"/>
+              </a:buClr>
+              <a:buSzPts val="1800"/>
+              <a:buNone/>
+            </a:pPr>
+            <a:r>
+              <a:rPr lang="en-US" b="0" i="0" dirty="0">
+                <a:solidFill>
+                  <a:srgbClr val="212529"/>
+                </a:solidFill>
+                <a:effectLst/>
+                <a:latin typeface="Tahoma" panose="020B0604030504040204" pitchFamily="34" charset="0"/>
+                <a:ea typeface="Tahoma" panose="020B0604030504040204" pitchFamily="34" charset="0"/>
+                <a:cs typeface="Tahoma" panose="020B0604030504040204" pitchFamily="34" charset="0"/>
+              </a:rPr>
+              <a:t>App-Based Solution to identify and solve disease in plants/crops</a:t>
+            </a:r>
+          </a:p>
+          <a:p>
+            <a:pPr marL="0" lvl="0" indent="0" algn="l" rtl="0">
+              <a:lnSpc>
+                <a:spcPct val="90000"/>
+              </a:lnSpc>
+              <a:spcBef>
+                <a:spcPts val="1000"/>
+              </a:spcBef>
+              <a:spcAft>
+                <a:spcPts val="0"/>
+              </a:spcAft>
+              <a:buClr>
+                <a:schemeClr val="lt2"/>
+              </a:buClr>
+              <a:buSzPts val="1800"/>
+              <a:buNone/>
+            </a:pPr>
+            <a:br>
+              <a:rPr lang="en-US" dirty="0">
+                <a:latin typeface="+mj-lt"/>
+                <a:ea typeface="Franklin Gothic"/>
+                <a:cs typeface="Franklin Gothic"/>
+                <a:sym typeface="Franklin Gothic"/>
+              </a:rPr>
+            </a:br>
+            <a:r>
+              <a:rPr lang="en-US" b="1" dirty="0">
+                <a:latin typeface="+mj-lt"/>
+                <a:ea typeface="Franklin Gothic"/>
+                <a:cs typeface="Franklin Gothic"/>
+                <a:sym typeface="Franklin Gothic"/>
+              </a:rPr>
+              <a:t>Team Name:</a:t>
+            </a:r>
+            <a:r>
+              <a:rPr lang="en-US" dirty="0">
+                <a:latin typeface="+mj-lt"/>
+                <a:ea typeface="Franklin Gothic"/>
+                <a:cs typeface="Franklin Gothic"/>
+                <a:sym typeface="Franklin Gothic"/>
+              </a:rPr>
+              <a:t> -</a:t>
+            </a:r>
+            <a:br>
+              <a:rPr lang="en-IN" dirty="0">
+                <a:latin typeface="+mj-lt"/>
+                <a:ea typeface="Franklin Gothic"/>
+                <a:cs typeface="Franklin Gothic"/>
+                <a:sym typeface="Franklin Gothic"/>
+              </a:rPr>
+            </a:br>
+            <a:r>
+              <a:rPr lang="en-IN" b="1" dirty="0">
+                <a:latin typeface="+mj-lt"/>
+                <a:ea typeface="Franklin Gothic"/>
+                <a:cs typeface="Franklin Gothic"/>
+                <a:sym typeface="Franklin Gothic"/>
+              </a:rPr>
+              <a:t>Team Leader Name:</a:t>
+            </a:r>
+            <a:r>
+              <a:rPr lang="en-IN" dirty="0">
+                <a:latin typeface="+mj-lt"/>
+                <a:ea typeface="Franklin Gothic"/>
+                <a:cs typeface="Franklin Gothic"/>
+                <a:sym typeface="Franklin Gothic"/>
+              </a:rPr>
+              <a:t> -</a:t>
+            </a:r>
+            <a:br>
+              <a:rPr lang="en-IN" dirty="0">
+                <a:latin typeface="+mj-lt"/>
+                <a:ea typeface="Franklin Gothic"/>
+                <a:cs typeface="Franklin Gothic"/>
+                <a:sym typeface="Franklin Gothic"/>
+              </a:rPr>
+            </a:br>
+            <a:r>
+              <a:rPr lang="en-IN" b="1" dirty="0">
+                <a:latin typeface="+mj-lt"/>
+                <a:ea typeface="Franklin Gothic"/>
+                <a:cs typeface="Franklin Gothic"/>
+                <a:sym typeface="Franklin Gothic"/>
+              </a:rPr>
+              <a:t>Institute Code (AISHE):</a:t>
+            </a:r>
+            <a:r>
+              <a:rPr lang="en-IN" dirty="0">
+                <a:latin typeface="+mj-lt"/>
+                <a:ea typeface="Franklin Gothic"/>
+                <a:cs typeface="Franklin Gothic"/>
+                <a:sym typeface="Franklin Gothic"/>
+              </a:rPr>
+              <a:t> </a:t>
+            </a:r>
+            <a:r>
+              <a:rPr lang="en-IN" dirty="0">
+                <a:solidFill>
+                  <a:schemeClr val="tx1"/>
+                </a:solidFill>
+                <a:latin typeface="+mj-lt"/>
+                <a:ea typeface="Franklin Gothic"/>
+                <a:cs typeface="Franklin Gothic"/>
+                <a:sym typeface="Franklin Gothic"/>
+              </a:rPr>
+              <a:t>C-58356</a:t>
+            </a:r>
+            <a:br>
+              <a:rPr lang="en-US" dirty="0">
+                <a:latin typeface="+mj-lt"/>
+                <a:ea typeface="Franklin Gothic"/>
+                <a:cs typeface="Franklin Gothic"/>
+                <a:sym typeface="Franklin Gothic"/>
+              </a:rPr>
+            </a:br>
+            <a:r>
+              <a:rPr lang="en-US" b="1" dirty="0">
+                <a:latin typeface="+mj-lt"/>
+                <a:ea typeface="Franklin Gothic"/>
+                <a:cs typeface="Franklin Gothic"/>
+                <a:sym typeface="Franklin Gothic"/>
+              </a:rPr>
+              <a:t>Institute Name:</a:t>
+            </a:r>
+            <a:r>
+              <a:rPr lang="en-US" dirty="0">
+                <a:latin typeface="+mj-lt"/>
+                <a:ea typeface="Franklin Gothic"/>
+                <a:cs typeface="Franklin Gothic"/>
+                <a:sym typeface="Franklin Gothic"/>
+              </a:rPr>
+              <a:t> </a:t>
+            </a:r>
+          </a:p>
+          <a:p>
+            <a:pPr marL="0" lvl="0" indent="0" algn="l" rtl="0">
+              <a:lnSpc>
+                <a:spcPct val="90000"/>
+              </a:lnSpc>
+              <a:spcBef>
+                <a:spcPts val="1000"/>
+              </a:spcBef>
+              <a:spcAft>
+                <a:spcPts val="0"/>
+              </a:spcAft>
+              <a:buClr>
+                <a:schemeClr val="lt2"/>
+              </a:buClr>
+              <a:buSzPts val="1800"/>
+              <a:buNone/>
+            </a:pPr>
+            <a:r>
+              <a:rPr lang="en-IN" sz="1800" b="0" i="0" spc="-40" dirty="0">
+                <a:solidFill>
+                  <a:srgbClr val="000000"/>
+                </a:solidFill>
+                <a:effectLst/>
+                <a:latin typeface="Tahoma" panose="020B0604030504040204" pitchFamily="34" charset="0"/>
+                <a:ea typeface="Tahoma" panose="020B0604030504040204" pitchFamily="34" charset="0"/>
+                <a:cs typeface="Tahoma" panose="020B0604030504040204" pitchFamily="34" charset="0"/>
+              </a:rPr>
+              <a:t>Faculty</a:t>
+            </a:r>
+            <a:r>
+              <a:rPr lang="en-IN" sz="1800" b="0" i="0" spc="-35" dirty="0">
+                <a:solidFill>
+                  <a:srgbClr val="000000"/>
+                </a:solidFill>
+                <a:effectLst/>
+                <a:latin typeface="Tahoma" panose="020B0604030504040204" pitchFamily="34" charset="0"/>
+                <a:ea typeface="Tahoma" panose="020B0604030504040204" pitchFamily="34" charset="0"/>
+                <a:cs typeface="Tahoma" panose="020B0604030504040204" pitchFamily="34" charset="0"/>
+              </a:rPr>
+              <a:t> </a:t>
+            </a:r>
+            <a:r>
+              <a:rPr lang="en-IN" sz="1800" b="0" i="0" spc="-20" dirty="0">
+                <a:solidFill>
+                  <a:srgbClr val="000000"/>
+                </a:solidFill>
+                <a:effectLst/>
+                <a:latin typeface="Tahoma" panose="020B0604030504040204" pitchFamily="34" charset="0"/>
+                <a:ea typeface="Tahoma" panose="020B0604030504040204" pitchFamily="34" charset="0"/>
+                <a:cs typeface="Tahoma" panose="020B0604030504040204" pitchFamily="34" charset="0"/>
+              </a:rPr>
+              <a:t>of</a:t>
+            </a:r>
+            <a:r>
+              <a:rPr lang="en-IN" sz="1800" b="0" i="0" spc="-30" dirty="0">
+                <a:solidFill>
+                  <a:srgbClr val="000000"/>
+                </a:solidFill>
+                <a:effectLst/>
+                <a:latin typeface="Tahoma" panose="020B0604030504040204" pitchFamily="34" charset="0"/>
+                <a:ea typeface="Tahoma" panose="020B0604030504040204" pitchFamily="34" charset="0"/>
+                <a:cs typeface="Tahoma" panose="020B0604030504040204" pitchFamily="34" charset="0"/>
+              </a:rPr>
+              <a:t> </a:t>
+            </a:r>
+            <a:r>
+              <a:rPr lang="en-IN" sz="1800" b="0" i="0" spc="-20" dirty="0">
+                <a:solidFill>
+                  <a:srgbClr val="000000"/>
+                </a:solidFill>
+                <a:effectLst/>
+                <a:latin typeface="Tahoma" panose="020B0604030504040204" pitchFamily="34" charset="0"/>
+                <a:ea typeface="Tahoma" panose="020B0604030504040204" pitchFamily="34" charset="0"/>
+                <a:cs typeface="Tahoma" panose="020B0604030504040204" pitchFamily="34" charset="0"/>
+              </a:rPr>
+              <a:t>Computer</a:t>
+            </a:r>
+            <a:r>
+              <a:rPr lang="en-IN" sz="1800" b="0" i="0" spc="-30" dirty="0">
+                <a:solidFill>
+                  <a:srgbClr val="000000"/>
+                </a:solidFill>
+                <a:effectLst/>
+                <a:latin typeface="Tahoma" panose="020B0604030504040204" pitchFamily="34" charset="0"/>
+                <a:ea typeface="Tahoma" panose="020B0604030504040204" pitchFamily="34" charset="0"/>
+                <a:cs typeface="Tahoma" panose="020B0604030504040204" pitchFamily="34" charset="0"/>
+              </a:rPr>
+              <a:t> </a:t>
+            </a:r>
+            <a:r>
+              <a:rPr lang="en-IN" sz="1800" b="0" i="0" spc="5" dirty="0">
+                <a:solidFill>
+                  <a:srgbClr val="000000"/>
+                </a:solidFill>
+                <a:effectLst/>
+                <a:latin typeface="Tahoma" panose="020B0604030504040204" pitchFamily="34" charset="0"/>
+                <a:ea typeface="Tahoma" panose="020B0604030504040204" pitchFamily="34" charset="0"/>
+                <a:cs typeface="Tahoma" panose="020B0604030504040204" pitchFamily="34" charset="0"/>
+              </a:rPr>
+              <a:t>Applications</a:t>
+            </a:r>
+            <a:r>
+              <a:rPr lang="en-IN" sz="1800" b="0" i="0" spc="-30" dirty="0">
+                <a:solidFill>
+                  <a:srgbClr val="000000"/>
+                </a:solidFill>
+                <a:effectLst/>
+                <a:latin typeface="Tahoma" panose="020B0604030504040204" pitchFamily="34" charset="0"/>
+                <a:ea typeface="Tahoma" panose="020B0604030504040204" pitchFamily="34" charset="0"/>
+                <a:cs typeface="Tahoma" panose="020B0604030504040204" pitchFamily="34" charset="0"/>
+              </a:rPr>
+              <a:t> </a:t>
+            </a:r>
+            <a:r>
+              <a:rPr lang="en-IN" sz="1800" b="0" i="0" spc="-10" dirty="0">
+                <a:solidFill>
+                  <a:srgbClr val="000000"/>
+                </a:solidFill>
+                <a:effectLst/>
+                <a:latin typeface="Tahoma" panose="020B0604030504040204" pitchFamily="34" charset="0"/>
+                <a:ea typeface="Tahoma" panose="020B0604030504040204" pitchFamily="34" charset="0"/>
+                <a:cs typeface="Tahoma" panose="020B0604030504040204" pitchFamily="34" charset="0"/>
+              </a:rPr>
+              <a:t>and</a:t>
+            </a:r>
+            <a:r>
+              <a:rPr lang="en-IN" sz="1800" b="0" i="0" spc="-35" dirty="0">
+                <a:solidFill>
+                  <a:srgbClr val="000000"/>
+                </a:solidFill>
+                <a:effectLst/>
+                <a:latin typeface="Tahoma" panose="020B0604030504040204" pitchFamily="34" charset="0"/>
+                <a:ea typeface="Tahoma" panose="020B0604030504040204" pitchFamily="34" charset="0"/>
+                <a:cs typeface="Tahoma" panose="020B0604030504040204" pitchFamily="34" charset="0"/>
+              </a:rPr>
+              <a:t> </a:t>
+            </a:r>
+            <a:r>
+              <a:rPr lang="en-IN" sz="1800" b="0" i="0" spc="-180" dirty="0">
+                <a:solidFill>
+                  <a:srgbClr val="000000"/>
+                </a:solidFill>
+                <a:effectLst/>
+                <a:latin typeface="Tahoma" panose="020B0604030504040204" pitchFamily="34" charset="0"/>
+                <a:ea typeface="Tahoma" panose="020B0604030504040204" pitchFamily="34" charset="0"/>
+                <a:cs typeface="Tahoma" panose="020B0604030504040204" pitchFamily="34" charset="0"/>
+              </a:rPr>
+              <a:t>IT</a:t>
+            </a:r>
+            <a:endParaRPr lang="en-IN" dirty="0">
+              <a:effectLst/>
+              <a:latin typeface="Tahoma" panose="020B0604030504040204" pitchFamily="34" charset="0"/>
+              <a:ea typeface="Tahoma" panose="020B0604030504040204" pitchFamily="34" charset="0"/>
+              <a:cs typeface="Tahoma" panose="020B0604030504040204" pitchFamily="34" charset="0"/>
+            </a:endParaRPr>
+          </a:p>
+          <a:p>
+            <a:pPr marL="0" lvl="0" indent="0" algn="l" rtl="0">
+              <a:lnSpc>
+                <a:spcPct val="90000"/>
+              </a:lnSpc>
+              <a:spcBef>
+                <a:spcPts val="1000"/>
+              </a:spcBef>
+              <a:spcAft>
+                <a:spcPts val="0"/>
+              </a:spcAft>
+              <a:buClr>
+                <a:schemeClr val="lt2"/>
+              </a:buClr>
+              <a:buSzPts val="1800"/>
+              <a:buNone/>
+            </a:pPr>
+            <a:endParaRPr lang="en-US" dirty="0">
+              <a:latin typeface="+mj-lt"/>
+            </a:endParaRPr>
+          </a:p>
+          <a:p>
+            <a:pPr marL="0" lvl="0" indent="0" algn="l" rtl="0">
+              <a:lnSpc>
+                <a:spcPct val="90000"/>
+              </a:lnSpc>
+              <a:spcBef>
+                <a:spcPts val="1000"/>
+              </a:spcBef>
+              <a:spcAft>
+                <a:spcPts val="0"/>
+              </a:spcAft>
+              <a:buClr>
+                <a:schemeClr val="lt2"/>
+              </a:buClr>
+              <a:buSzPts val="1800"/>
+              <a:buNone/>
+            </a:pPr>
+            <a:endParaRPr dirty="0">
+              <a:latin typeface="+mj-lt"/>
               <a:ea typeface="Franklin Gothic"/>
               <a:cs typeface="Franklin Gothic"/>
               <a:sym typeface="Franklin Gothic"/>
@@ -24417,256 +24764,31 @@
               <a:buNone/>
             </a:pPr>
             <a:r>
-              <a:rPr lang="en-US">
-                <a:latin typeface="Franklin Gothic"/>
+              <a:rPr lang="en-US" b="1" dirty="0">
+                <a:latin typeface="+mj-lt"/>
                 <a:ea typeface="Franklin Gothic"/>
                 <a:cs typeface="Franklin Gothic"/>
                 <a:sym typeface="Franklin Gothic"/>
               </a:rPr>
-              <a:t>PS Code:</a:t>
+              <a:t>Theme Name: </a:t>
             </a:r>
-            <a:endParaRPr/>
-          </a:p>
-          <a:p>
-            <a:pPr marL="0" lvl="0" indent="0" algn="l" rtl="0">
-              <a:lnSpc>
-                <a:spcPct val="90000"/>
-              </a:lnSpc>
-              <a:spcBef>
-                <a:spcPts val="1000"/>
-              </a:spcBef>
-              <a:spcAft>
-                <a:spcPts val="0"/>
-              </a:spcAft>
-              <a:buClr>
-                <a:schemeClr val="lt2"/>
-              </a:buClr>
-              <a:buSzPts val="1800"/>
-              <a:buNone/>
-            </a:pPr>
             <a:r>
-              <a:rPr lang="en-US">
-                <a:latin typeface="Franklin Gothic"/>
-                <a:ea typeface="Franklin Gothic"/>
-                <a:cs typeface="Franklin Gothic"/>
-                <a:sym typeface="Franklin Gothic"/>
+              <a:rPr lang="en-IN" b="0" i="0" dirty="0">
+                <a:solidFill>
+                  <a:srgbClr val="212529"/>
+                </a:solidFill>
+                <a:effectLst/>
+                <a:latin typeface="Tahoma" panose="020B0604030504040204" pitchFamily="34" charset="0"/>
+                <a:ea typeface="Tahoma" panose="020B0604030504040204" pitchFamily="34" charset="0"/>
+                <a:cs typeface="Tahoma" panose="020B0604030504040204" pitchFamily="34" charset="0"/>
               </a:rPr>
-              <a:t>   </a:t>
+              <a:t>Agriculture, FoodTech &amp; Rural Development</a:t>
             </a:r>
-            <a:br>
-              <a:rPr lang="en-US">
-                <a:latin typeface="Franklin Gothic"/>
-                <a:ea typeface="Franklin Gothic"/>
-                <a:cs typeface="Franklin Gothic"/>
-                <a:sym typeface="Franklin Gothic"/>
-              </a:rPr>
-            </a:br>
-            <a:r>
-              <a:rPr lang="en-US">
-                <a:latin typeface="Franklin Gothic"/>
-                <a:ea typeface="Franklin Gothic"/>
-                <a:cs typeface="Franklin Gothic"/>
-                <a:sym typeface="Franklin Gothic"/>
-              </a:rPr>
-              <a:t>Problem Statement Title:</a:t>
-            </a:r>
-            <a:endParaRPr/>
-          </a:p>
-          <a:p>
-            <a:pPr marL="0" lvl="0" indent="0" algn="l" rtl="0">
-              <a:lnSpc>
-                <a:spcPct val="90000"/>
-              </a:lnSpc>
-              <a:spcBef>
-                <a:spcPts val="1000"/>
-              </a:spcBef>
-              <a:spcAft>
-                <a:spcPts val="0"/>
-              </a:spcAft>
-              <a:buClr>
-                <a:schemeClr val="lt2"/>
-              </a:buClr>
-              <a:buSzPts val="1800"/>
-              <a:buNone/>
-            </a:pPr>
-            <a:br>
-              <a:rPr lang="en-US">
-                <a:latin typeface="Franklin Gothic"/>
-                <a:ea typeface="Franklin Gothic"/>
-                <a:cs typeface="Franklin Gothic"/>
-                <a:sym typeface="Franklin Gothic"/>
-              </a:rPr>
-            </a:br>
-            <a:r>
-              <a:rPr lang="en-US">
-                <a:latin typeface="Franklin Gothic"/>
-                <a:ea typeface="Franklin Gothic"/>
-                <a:cs typeface="Franklin Gothic"/>
-                <a:sym typeface="Franklin Gothic"/>
-              </a:rPr>
-              <a:t>Team Name:</a:t>
-            </a:r>
-            <a:endParaRPr/>
-          </a:p>
-          <a:p>
-            <a:pPr marL="0" lvl="0" indent="0" algn="l" rtl="0">
-              <a:lnSpc>
-                <a:spcPct val="90000"/>
-              </a:lnSpc>
-              <a:spcBef>
-                <a:spcPts val="1000"/>
-              </a:spcBef>
-              <a:spcAft>
-                <a:spcPts val="0"/>
-              </a:spcAft>
-              <a:buClr>
-                <a:schemeClr val="lt2"/>
-              </a:buClr>
-              <a:buSzPts val="1800"/>
-              <a:buNone/>
-            </a:pPr>
-            <a:br>
-              <a:rPr lang="en-US">
-                <a:latin typeface="Franklin Gothic"/>
-                <a:ea typeface="Franklin Gothic"/>
-                <a:cs typeface="Franklin Gothic"/>
-                <a:sym typeface="Franklin Gothic"/>
-              </a:rPr>
-            </a:br>
-            <a:r>
-              <a:rPr lang="en-US">
-                <a:latin typeface="Franklin Gothic"/>
-                <a:ea typeface="Franklin Gothic"/>
-                <a:cs typeface="Franklin Gothic"/>
-                <a:sym typeface="Franklin Gothic"/>
-              </a:rPr>
-              <a:t>Team Leader Name:</a:t>
-            </a:r>
-            <a:endParaRPr/>
-          </a:p>
-          <a:p>
-            <a:pPr marL="0" lvl="0" indent="0" algn="l" rtl="0">
-              <a:lnSpc>
-                <a:spcPct val="90000"/>
-              </a:lnSpc>
-              <a:spcBef>
-                <a:spcPts val="1000"/>
-              </a:spcBef>
-              <a:spcAft>
-                <a:spcPts val="0"/>
-              </a:spcAft>
-              <a:buClr>
-                <a:schemeClr val="lt2"/>
-              </a:buClr>
-              <a:buSzPts val="1800"/>
-              <a:buNone/>
-            </a:pPr>
-            <a:br>
-              <a:rPr lang="en-US">
-                <a:latin typeface="Franklin Gothic"/>
-                <a:ea typeface="Franklin Gothic"/>
-                <a:cs typeface="Franklin Gothic"/>
-                <a:sym typeface="Franklin Gothic"/>
-              </a:rPr>
-            </a:br>
-            <a:r>
-              <a:rPr lang="en-US">
-                <a:latin typeface="Franklin Gothic"/>
-                <a:ea typeface="Franklin Gothic"/>
-                <a:cs typeface="Franklin Gothic"/>
-                <a:sym typeface="Franklin Gothic"/>
-              </a:rPr>
-              <a:t>Institute Code (AISHE):</a:t>
-            </a:r>
-            <a:endParaRPr/>
-          </a:p>
-          <a:p>
-            <a:pPr marL="0" lvl="0" indent="0" algn="l" rtl="0">
-              <a:lnSpc>
-                <a:spcPct val="90000"/>
-              </a:lnSpc>
-              <a:spcBef>
-                <a:spcPts val="1000"/>
-              </a:spcBef>
-              <a:spcAft>
-                <a:spcPts val="0"/>
-              </a:spcAft>
-              <a:buClr>
-                <a:schemeClr val="lt2"/>
-              </a:buClr>
-              <a:buSzPts val="1800"/>
-              <a:buNone/>
-            </a:pPr>
-            <a:br>
-              <a:rPr lang="en-US">
-                <a:latin typeface="Franklin Gothic"/>
-                <a:ea typeface="Franklin Gothic"/>
-                <a:cs typeface="Franklin Gothic"/>
-                <a:sym typeface="Franklin Gothic"/>
-              </a:rPr>
-            </a:br>
-            <a:r>
-              <a:rPr lang="en-US">
-                <a:latin typeface="Franklin Gothic"/>
-                <a:ea typeface="Franklin Gothic"/>
-                <a:cs typeface="Franklin Gothic"/>
-                <a:sym typeface="Franklin Gothic"/>
-              </a:rPr>
-              <a:t>Institute Name:</a:t>
-            </a:r>
-            <a:endParaRPr/>
-          </a:p>
-          <a:p>
-            <a:pPr marL="0" lvl="0" indent="0" algn="l" rtl="0">
-              <a:lnSpc>
-                <a:spcPct val="90000"/>
-              </a:lnSpc>
-              <a:spcBef>
-                <a:spcPts val="1000"/>
-              </a:spcBef>
-              <a:spcAft>
-                <a:spcPts val="0"/>
-              </a:spcAft>
-              <a:buClr>
-                <a:schemeClr val="lt2"/>
-              </a:buClr>
-              <a:buSzPts val="1800"/>
-              <a:buNone/>
-            </a:pPr>
-            <a:endParaRPr>
-              <a:latin typeface="Franklin Gothic"/>
-              <a:ea typeface="Franklin Gothic"/>
-              <a:cs typeface="Franklin Gothic"/>
-              <a:sym typeface="Franklin Gothic"/>
+            <a:endParaRPr b="1" dirty="0">
+              <a:latin typeface="Tahoma" panose="020B0604030504040204" pitchFamily="34" charset="0"/>
+              <a:ea typeface="Tahoma" panose="020B0604030504040204" pitchFamily="34" charset="0"/>
+              <a:cs typeface="Tahoma" panose="020B0604030504040204" pitchFamily="34" charset="0"/>
             </a:endParaRPr>
-          </a:p>
-          <a:p>
-            <a:pPr marL="0" lvl="0" indent="0" algn="l" rtl="0">
-              <a:lnSpc>
-                <a:spcPct val="90000"/>
-              </a:lnSpc>
-              <a:spcBef>
-                <a:spcPts val="1000"/>
-              </a:spcBef>
-              <a:spcAft>
-                <a:spcPts val="0"/>
-              </a:spcAft>
-              <a:buClr>
-                <a:schemeClr val="lt2"/>
-              </a:buClr>
-              <a:buSzPts val="1800"/>
-              <a:buNone/>
-            </a:pPr>
-            <a:r>
-              <a:rPr lang="en-US">
-                <a:latin typeface="Franklin Gothic"/>
-                <a:ea typeface="Franklin Gothic"/>
-                <a:cs typeface="Franklin Gothic"/>
-                <a:sym typeface="Franklin Gothic"/>
-              </a:rPr>
-              <a:t>Theme Name:</a:t>
-            </a:r>
-            <a:endParaRPr/>
           </a:p>
         </p:txBody>
       </p:sp>
@@ -24732,7 +24854,7 @@
         </p:nvSpPr>
         <p:spPr>
           <a:xfrm>
-            <a:off x="964023" y="879063"/>
+            <a:off x="124287" y="144261"/>
             <a:ext cx="5534431" cy="610863"/>
           </a:xfrm>
           <a:prstGeom prst="rect">
@@ -24767,10 +24889,14 @@
               <a:buNone/>
             </a:pPr>
             <a:r>
-              <a:rPr lang="en-US"/>
+              <a:rPr lang="en-US" dirty="0">
+                <a:latin typeface="+mj-lt"/>
+              </a:rPr>
               <a:t>Idea/Approach Details</a:t>
             </a:r>
-            <a:endParaRPr/>
+            <a:endParaRPr dirty="0">
+              <a:latin typeface="+mj-lt"/>
+            </a:endParaRPr>
           </a:p>
         </p:txBody>
       </p:sp>
@@ -24786,23 +24912,31 @@
         </p:nvSpPr>
         <p:spPr>
           <a:xfrm>
-            <a:off x="971550" y="2289363"/>
-            <a:ext cx="6024054" cy="2877441"/>
+            <a:off x="124288" y="821113"/>
+            <a:ext cx="4673956" cy="2443397"/>
           </a:xfrm>
-          <a:prstGeom prst="rect">
+          <a:prstGeom prst="roundRect">
             <a:avLst/>
           </a:prstGeom>
-          <a:noFill/>
-          <a:ln w="9525" cap="flat" cmpd="sng">
-            <a:solidFill>
-              <a:schemeClr val="dk1"/>
-            </a:solidFill>
-            <a:prstDash val="solid"/>
-            <a:round/>
+          <a:ln>
             <a:headEnd type="none" w="sm" len="sm"/>
             <a:tailEnd type="none" w="sm" len="sm"/>
           </a:ln>
         </p:spPr>
+        <p:style>
+          <a:lnRef idx="2">
+            <a:schemeClr val="dk1"/>
+          </a:lnRef>
+          <a:fillRef idx="1">
+            <a:schemeClr val="lt1"/>
+          </a:fillRef>
+          <a:effectRef idx="0">
+            <a:schemeClr val="dk1"/>
+          </a:effectRef>
+          <a:fontRef idx="minor">
+            <a:schemeClr val="dk1"/>
+          </a:fontRef>
+        </p:style>
         <p:txBody>
           <a:bodyPr spcFirstLastPara="1" wrap="square" lIns="0" tIns="0" rIns="0" bIns="0" anchor="t" anchorCtr="0">
             <a:noAutofit/>
@@ -24826,21 +24960,24 @@
               <a:buNone/>
             </a:pPr>
             <a:r>
-              <a:rPr lang="en-US" sz="1800">
+              <a:rPr lang="en-IN" b="1" dirty="0">
                 <a:solidFill>
                   <a:schemeClr val="lt2"/>
                 </a:solidFill>
-                <a:latin typeface="Franklin Gothic"/>
+                <a:latin typeface="Courier New" panose="02070309020205020404" pitchFamily="49" charset="0"/>
                 <a:ea typeface="Franklin Gothic"/>
-                <a:cs typeface="Franklin Gothic"/>
+                <a:cs typeface="Courier New" panose="02070309020205020404" pitchFamily="49" charset="0"/>
                 <a:sym typeface="Franklin Gothic"/>
               </a:rPr>
-              <a:t>Describe your idea/Solution/Prototype here:</a:t>
+              <a:t>IDEA DESCRIPTION:</a:t>
             </a:r>
-            <a:endParaRPr/>
+            <a:endParaRPr sz="1400" b="1" dirty="0">
+              <a:latin typeface="Courier New" panose="02070309020205020404" pitchFamily="49" charset="0"/>
+              <a:cs typeface="Courier New" panose="02070309020205020404" pitchFamily="49" charset="0"/>
+            </a:endParaRPr>
           </a:p>
           <a:p>
-            <a:pPr marL="285750" lvl="0" indent="-285750" algn="l" rtl="0">
+            <a:pPr marL="0" lvl="0" indent="0" rtl="0">
               <a:lnSpc>
                 <a:spcPct val="100000"/>
               </a:lnSpc>
@@ -24854,107 +24991,65 @@
                 <a:schemeClr val="dk1"/>
               </a:buClr>
               <a:buSzPts val="1600"/>
-              <a:buFont typeface="Noto Sans Symbols"/>
-              <a:buChar char="⮚"/>
             </a:pPr>
             <a:r>
-              <a:rPr lang="en-US"/>
-              <a:t> </a:t>
+              <a:rPr lang="en-US" sz="1500" b="1" dirty="0">
+                <a:latin typeface="Courier New" panose="02070309020205020404" pitchFamily="49" charset="0"/>
+                <a:cs typeface="Courier New" panose="02070309020205020404" pitchFamily="49" charset="0"/>
+              </a:rPr>
+              <a:t>Farmers can use an AI-powered app to upload photos of their diseased plants. The app will identify the disease and provide recommendations for treatment. The app will also connect farmers with experts or scientists who can provide more personalized advice.</a:t>
             </a:r>
-            <a:endParaRPr/>
-          </a:p>
-          <a:p>
-            <a:pPr marL="285750" lvl="0" indent="-184150" algn="l" rtl="0">
-              <a:lnSpc>
-                <a:spcPct val="100000"/>
-              </a:lnSpc>
-              <a:spcBef>
-                <a:spcPts val="1000"/>
-              </a:spcBef>
-              <a:spcAft>
-                <a:spcPts val="0"/>
-              </a:spcAft>
-              <a:buClr>
-                <a:schemeClr val="dk1"/>
-              </a:buClr>
-              <a:buSzPts val="1600"/>
-              <a:buFont typeface="Noto Sans Symbols"/>
-              <a:buNone/>
-            </a:pPr>
-            <a:endParaRPr/>
           </a:p>
         </p:txBody>
       </p:sp>
-      <p:sp>
-        <p:nvSpPr>
-          <p:cNvPr id="219" name="Google Shape;219;p2"/>
-          <p:cNvSpPr txBox="1">
-            <a:spLocks noGrp="1"/>
-          </p:cNvSpPr>
+      <p:pic>
+        <p:nvPicPr>
+          <p:cNvPr id="27" name="Picture Placeholder 26">
+            <a:extLst>
+              <a:ext uri="{FF2B5EF4-FFF2-40B4-BE49-F238E27FC236}">
+                <a16:creationId xmlns:a16="http://schemas.microsoft.com/office/drawing/2014/main" id="{415181F2-73B8-3B49-095D-96D5066A4C87}"/>
+              </a:ext>
+            </a:extLst>
+          </p:cNvPr>
+          <p:cNvPicPr>
+            <a:picLocks noGrp="1" noChangeAspect="1"/>
+          </p:cNvPicPr>
           <p:nvPr>
-            <p:ph type="sldNum" idx="12"/>
+            <p:ph type="pic" idx="2"/>
           </p:nvPr>
-        </p:nvSpPr>
+        </p:nvPicPr>
+        <p:blipFill>
+          <a:blip r:embed="rId3"/>
+          <a:srcRect t="9363" b="9363"/>
+          <a:stretch>
+            <a:fillRect/>
+          </a:stretch>
+        </p:blipFill>
         <p:spPr>
           <a:xfrm>
-            <a:off x="971550" y="6332220"/>
-            <a:ext cx="523240" cy="247651"/>
+            <a:off x="5014913" y="820738"/>
+            <a:ext cx="7053262" cy="5732462"/>
           </a:xfrm>
           <a:prstGeom prst="rect">
             <a:avLst/>
           </a:prstGeom>
-          <a:noFill/>
-          <a:ln>
-            <a:noFill/>
-          </a:ln>
+          <a:ln/>
         </p:spPr>
-        <p:txBody>
-          <a:bodyPr spcFirstLastPara="1" wrap="square" lIns="0" tIns="0" rIns="0" bIns="0" anchor="t" anchorCtr="0">
-            <a:noAutofit/>
-          </a:bodyPr>
-          <a:lstStyle/>
-          <a:p>
-            <a:pPr marL="0" lvl="0" indent="0" algn="l" rtl="0">
-              <a:spcBef>
-                <a:spcPts val="0"/>
-              </a:spcBef>
-              <a:spcAft>
-                <a:spcPts val="0"/>
-              </a:spcAft>
-              <a:buNone/>
-            </a:pPr>
-            <a:fld id="{00000000-1234-1234-1234-123412341234}" type="slidenum">
-              <a:rPr lang="en-US"/>
-              <a:t>2</a:t>
-            </a:fld>
-            <a:endParaRPr/>
-          </a:p>
-        </p:txBody>
-      </p:sp>
-      <p:sp>
-        <p:nvSpPr>
-          <p:cNvPr id="220" name="Google Shape;220;p2"/>
-          <p:cNvSpPr>
-            <a:spLocks noGrp="1"/>
-          </p:cNvSpPr>
-          <p:nvPr>
-            <p:ph type="pic" idx="2"/>
-          </p:nvPr>
-        </p:nvSpPr>
-        <p:spPr>
-          <a:xfrm>
-            <a:off x="7378575" y="144261"/>
-            <a:ext cx="4689138" cy="3451543"/>
-          </a:xfrm>
-          <a:prstGeom prst="rect">
-            <a:avLst/>
-          </a:prstGeom>
-          <a:noFill/>
-          <a:ln>
-            <a:noFill/>
-          </a:ln>
-        </p:spPr>
-      </p:sp>
+        <p:style>
+          <a:lnRef idx="2">
+            <a:schemeClr val="dk1"/>
+          </a:lnRef>
+          <a:fillRef idx="1">
+            <a:schemeClr val="lt1"/>
+          </a:fillRef>
+          <a:effectRef idx="0">
+            <a:schemeClr val="dk1"/>
+          </a:effectRef>
+          <a:fontRef idx="minor">
+            <a:schemeClr val="dk1"/>
+          </a:fontRef>
+        </p:style>
+      </p:pic>
       <p:sp>
         <p:nvSpPr>
           <p:cNvPr id="221" name="Google Shape;221;p2"/>
@@ -24963,7 +25058,7 @@
         </p:nvSpPr>
         <p:spPr>
           <a:xfrm>
-            <a:off x="7378575" y="2118476"/>
+            <a:off x="6366500" y="3264510"/>
             <a:ext cx="4689138" cy="923330"/>
           </a:xfrm>
           <a:prstGeom prst="rect">
@@ -24990,18 +25085,20 @@
               <a:buNone/>
             </a:pPr>
             <a:r>
-              <a:rPr lang="en-US" sz="1800">
+              <a:rPr lang="en-US" sz="1800" dirty="0">
                 <a:solidFill>
                   <a:schemeClr val="lt2"/>
                 </a:solidFill>
-                <a:latin typeface="Franklin Gothic"/>
+                <a:latin typeface="+mj-lt"/>
                 <a:ea typeface="Franklin Gothic"/>
                 <a:cs typeface="Franklin Gothic"/>
                 <a:sym typeface="Franklin Gothic"/>
               </a:rPr>
               <a:t>Add process flow chart or simulated image of prototype or any relevant image related to your idea</a:t>
             </a:r>
-            <a:endParaRPr/>
+            <a:endParaRPr dirty="0">
+              <a:latin typeface="+mj-lt"/>
+            </a:endParaRPr>
           </a:p>
         </p:txBody>
       </p:sp>
@@ -25013,103 +25110,70 @@
         </p:nvSpPr>
         <p:spPr>
           <a:xfrm>
-            <a:off x="7378575" y="3820783"/>
-            <a:ext cx="4572001" cy="2759088"/>
+            <a:off x="124285" y="4008732"/>
+            <a:ext cx="4673956" cy="2544753"/>
           </a:xfrm>
-          <a:prstGeom prst="rect">
+          <a:prstGeom prst="roundRect">
             <a:avLst/>
           </a:prstGeom>
-          <a:noFill/>
-          <a:ln w="9525" cap="flat" cmpd="sng">
-            <a:solidFill>
-              <a:schemeClr val="dk1"/>
-            </a:solidFill>
-            <a:prstDash val="solid"/>
-            <a:round/>
+          <a:solidFill>
+            <a:schemeClr val="bg2"/>
+          </a:solidFill>
+          <a:ln>
             <a:headEnd type="none" w="sm" len="sm"/>
             <a:tailEnd type="none" w="sm" len="sm"/>
           </a:ln>
         </p:spPr>
+        <p:style>
+          <a:lnRef idx="2">
+            <a:schemeClr val="dk1"/>
+          </a:lnRef>
+          <a:fillRef idx="1">
+            <a:schemeClr val="lt1"/>
+          </a:fillRef>
+          <a:effectRef idx="0">
+            <a:schemeClr val="dk1"/>
+          </a:effectRef>
+          <a:fontRef idx="minor">
+            <a:schemeClr val="dk1"/>
+          </a:fontRef>
+        </p:style>
         <p:txBody>
           <a:bodyPr spcFirstLastPara="1" wrap="square" lIns="0" tIns="0" rIns="0" bIns="0" anchor="t" anchorCtr="0">
             <a:noAutofit/>
           </a:bodyPr>
           <a:lstStyle/>
           <a:p>
-            <a:pPr marL="0" marR="0" lvl="0" indent="0" algn="l" rtl="0">
+            <a:pPr marR="0" lvl="0" algn="l" rtl="0">
               <a:lnSpc>
                 <a:spcPct val="100000"/>
               </a:lnSpc>
               <a:spcBef>
-                <a:spcPts val="0"/>
-              </a:spcBef>
-              <a:spcAft>
-                <a:spcPts val="0"/>
-              </a:spcAft>
-              <a:buClr>
-                <a:schemeClr val="lt2"/>
-              </a:buClr>
-              <a:buSzPts val="1800"/>
-              <a:buFont typeface="Arial"/>
-              <a:buNone/>
+                <a:spcPts val="1000"/>
+              </a:spcBef>
+              <a:spcAft>
+                <a:spcPts val="0"/>
+              </a:spcAft>
+              <a:buClr>
+                <a:schemeClr val="dk1"/>
+              </a:buClr>
+              <a:buSzPts val="1600"/>
             </a:pPr>
             <a:r>
-              <a:rPr lang="en-US" sz="1800" b="0" i="0">
-                <a:solidFill>
-                  <a:schemeClr val="lt2"/>
-                </a:solidFill>
-                <a:latin typeface="Franklin Gothic"/>
-                <a:ea typeface="Franklin Gothic"/>
-                <a:cs typeface="Franklin Gothic"/>
-                <a:sym typeface="Franklin Gothic"/>
-              </a:rPr>
-              <a:t>Describe your Technology stack here</a:t>
-            </a:r>
-            <a:r>
-              <a:rPr lang="en-US" sz="1600" b="0" i="0">
+              <a:rPr lang="en-US" sz="1600" b="0" i="0" dirty="0">
                 <a:solidFill>
                   <a:schemeClr val="dk1"/>
                 </a:solidFill>
-                <a:latin typeface="Libre Franklin"/>
-                <a:ea typeface="Libre Franklin"/>
-                <a:cs typeface="Libre Franklin"/>
-                <a:sym typeface="Libre Franklin"/>
-              </a:rPr>
-              <a:t>:</a:t>
-            </a:r>
-            <a:endParaRPr/>
-          </a:p>
-          <a:p>
-            <a:pPr marL="285750" marR="0" lvl="0" indent="-285750" algn="l" rtl="0">
-              <a:lnSpc>
-                <a:spcPct val="100000"/>
-              </a:lnSpc>
-              <a:spcBef>
-                <a:spcPts val="1000"/>
-              </a:spcBef>
-              <a:spcAft>
-                <a:spcPts val="0"/>
-              </a:spcAft>
-              <a:buClr>
-                <a:schemeClr val="dk1"/>
-              </a:buClr>
-              <a:buSzPts val="1600"/>
-              <a:buFont typeface="Noto Sans Symbols"/>
-              <a:buChar char="⮚"/>
-            </a:pPr>
-            <a:r>
-              <a:rPr lang="en-US" sz="1600" b="0" i="0">
-                <a:solidFill>
-                  <a:schemeClr val="dk1"/>
-                </a:solidFill>
-                <a:latin typeface="Libre Franklin"/>
+                <a:latin typeface="+mj-lt"/>
                 <a:ea typeface="Libre Franklin"/>
                 <a:cs typeface="Libre Franklin"/>
                 <a:sym typeface="Libre Franklin"/>
               </a:rPr>
               <a:t>  </a:t>
             </a:r>
-            <a:endParaRPr/>
+            <a:endParaRPr dirty="0">
+              <a:latin typeface="+mj-lt"/>
+            </a:endParaRPr>
           </a:p>
           <a:p>
             <a:pPr marL="0" marR="0" lvl="0" indent="0" algn="l" rtl="0">
@@ -25129,11 +25193,11 @@
               <a:buFont typeface="Arial"/>
               <a:buNone/>
             </a:pPr>
-            <a:endParaRPr sz="1600" b="0" i="0">
+            <a:endParaRPr sz="1600" b="0" i="0" dirty="0">
               <a:solidFill>
                 <a:schemeClr val="dk1"/>
               </a:solidFill>
-              <a:latin typeface="Libre Franklin"/>
+              <a:latin typeface="+mj-lt"/>
               <a:ea typeface="Libre Franklin"/>
               <a:cs typeface="Libre Franklin"/>
               <a:sym typeface="Libre Franklin"/>
@@ -25141,6 +25205,625 @@
           </a:p>
         </p:txBody>
       </p:sp>
+      <p:sp>
+        <p:nvSpPr>
+          <p:cNvPr id="2" name="TextBox 1">
+            <a:extLst>
+              <a:ext uri="{FF2B5EF4-FFF2-40B4-BE49-F238E27FC236}">
+                <a16:creationId xmlns:a16="http://schemas.microsoft.com/office/drawing/2014/main" id="{BEF4EBE4-E1F9-ED46-072D-0D8C66BC4C82}"/>
+              </a:ext>
+            </a:extLst>
+          </p:cNvPr>
+          <p:cNvSpPr txBox="1"/>
+          <p:nvPr/>
+        </p:nvSpPr>
+        <p:spPr>
+          <a:xfrm flipH="1">
+            <a:off x="124285" y="3382501"/>
+            <a:ext cx="4673954" cy="338554"/>
+          </a:xfrm>
+          <a:prstGeom prst="rect">
+            <a:avLst/>
+          </a:prstGeom>
+          <a:noFill/>
+        </p:spPr>
+        <p:txBody>
+          <a:bodyPr wrap="square" rtlCol="0">
+            <a:spAutoFit/>
+          </a:bodyPr>
+          <a:lstStyle/>
+          <a:p>
+            <a:pPr algn="ctr"/>
+            <a:r>
+              <a:rPr lang="en-IN" sz="1600" b="1" dirty="0">
+                <a:latin typeface="Courier New" panose="02070309020205020404" pitchFamily="49" charset="0"/>
+                <a:cs typeface="Courier New" panose="02070309020205020404" pitchFamily="49" charset="0"/>
+              </a:rPr>
+              <a:t>TECHNOLOGY STACK</a:t>
+            </a:r>
+          </a:p>
+        </p:txBody>
+      </p:sp>
+      <p:sp>
+        <p:nvSpPr>
+          <p:cNvPr id="3" name="Oval 2">
+            <a:extLst>
+              <a:ext uri="{FF2B5EF4-FFF2-40B4-BE49-F238E27FC236}">
+                <a16:creationId xmlns:a16="http://schemas.microsoft.com/office/drawing/2014/main" id="{05CE8B66-A609-9D10-CEB1-C6CB9FD74376}"/>
+              </a:ext>
+            </a:extLst>
+          </p:cNvPr>
+          <p:cNvSpPr/>
+          <p:nvPr/>
+        </p:nvSpPr>
+        <p:spPr>
+          <a:xfrm>
+            <a:off x="311087" y="3726175"/>
+            <a:ext cx="697580" cy="744222"/>
+          </a:xfrm>
+          <a:prstGeom prst="ellipse">
+            <a:avLst/>
+          </a:prstGeom>
+          <a:solidFill>
+            <a:srgbClr val="00B0F0"/>
+          </a:solidFill>
+        </p:spPr>
+        <p:style>
+          <a:lnRef idx="2">
+            <a:schemeClr val="accent1">
+              <a:shade val="15000"/>
+            </a:schemeClr>
+          </a:lnRef>
+          <a:fillRef idx="1">
+            <a:schemeClr val="accent1"/>
+          </a:fillRef>
+          <a:effectRef idx="0">
+            <a:schemeClr val="accent1"/>
+          </a:effectRef>
+          <a:fontRef idx="minor">
+            <a:schemeClr val="lt1"/>
+          </a:fontRef>
+        </p:style>
+        <p:txBody>
+          <a:bodyPr rtlCol="0" anchor="ctr"/>
+          <a:lstStyle/>
+          <a:p>
+            <a:pPr algn="ctr"/>
+            <a:endParaRPr lang="en-IN"/>
+          </a:p>
+        </p:txBody>
+      </p:sp>
+      <p:sp>
+        <p:nvSpPr>
+          <p:cNvPr id="9" name="Oval 8">
+            <a:extLst>
+              <a:ext uri="{FF2B5EF4-FFF2-40B4-BE49-F238E27FC236}">
+                <a16:creationId xmlns:a16="http://schemas.microsoft.com/office/drawing/2014/main" id="{452B5F6B-9B43-C71D-48C2-D280968E3BFF}"/>
+              </a:ext>
+            </a:extLst>
+          </p:cNvPr>
+          <p:cNvSpPr/>
+          <p:nvPr/>
+        </p:nvSpPr>
+        <p:spPr>
+          <a:xfrm>
+            <a:off x="2139887" y="3714689"/>
+            <a:ext cx="697580" cy="744222"/>
+          </a:xfrm>
+          <a:prstGeom prst="ellipse">
+            <a:avLst/>
+          </a:prstGeom>
+          <a:solidFill>
+            <a:srgbClr val="00B0F0"/>
+          </a:solidFill>
+        </p:spPr>
+        <p:style>
+          <a:lnRef idx="2">
+            <a:schemeClr val="accent1">
+              <a:shade val="15000"/>
+            </a:schemeClr>
+          </a:lnRef>
+          <a:fillRef idx="1">
+            <a:schemeClr val="accent1"/>
+          </a:fillRef>
+          <a:effectRef idx="0">
+            <a:schemeClr val="accent1"/>
+          </a:effectRef>
+          <a:fontRef idx="minor">
+            <a:schemeClr val="lt1"/>
+          </a:fontRef>
+        </p:style>
+        <p:txBody>
+          <a:bodyPr rtlCol="0" anchor="ctr"/>
+          <a:lstStyle/>
+          <a:p>
+            <a:pPr algn="ctr"/>
+            <a:endParaRPr lang="en-IN"/>
+          </a:p>
+        </p:txBody>
+      </p:sp>
+      <p:sp>
+        <p:nvSpPr>
+          <p:cNvPr id="10" name="Oval 9">
+            <a:extLst>
+              <a:ext uri="{FF2B5EF4-FFF2-40B4-BE49-F238E27FC236}">
+                <a16:creationId xmlns:a16="http://schemas.microsoft.com/office/drawing/2014/main" id="{A658A37B-2D9E-9D33-1F35-AA4274A2CC99}"/>
+              </a:ext>
+            </a:extLst>
+          </p:cNvPr>
+          <p:cNvSpPr/>
+          <p:nvPr/>
+        </p:nvSpPr>
+        <p:spPr>
+          <a:xfrm>
+            <a:off x="3054287" y="3726175"/>
+            <a:ext cx="697580" cy="744222"/>
+          </a:xfrm>
+          <a:prstGeom prst="ellipse">
+            <a:avLst/>
+          </a:prstGeom>
+          <a:solidFill>
+            <a:srgbClr val="00B0F0"/>
+          </a:solidFill>
+        </p:spPr>
+        <p:style>
+          <a:lnRef idx="2">
+            <a:schemeClr val="accent1">
+              <a:shade val="15000"/>
+            </a:schemeClr>
+          </a:lnRef>
+          <a:fillRef idx="1">
+            <a:schemeClr val="accent1"/>
+          </a:fillRef>
+          <a:effectRef idx="0">
+            <a:schemeClr val="accent1"/>
+          </a:effectRef>
+          <a:fontRef idx="minor">
+            <a:schemeClr val="lt1"/>
+          </a:fontRef>
+        </p:style>
+        <p:txBody>
+          <a:bodyPr rtlCol="0" anchor="ctr"/>
+          <a:lstStyle/>
+          <a:p>
+            <a:pPr algn="ctr"/>
+            <a:endParaRPr lang="en-IN"/>
+          </a:p>
+        </p:txBody>
+      </p:sp>
+      <p:sp>
+        <p:nvSpPr>
+          <p:cNvPr id="11" name="Oval 10">
+            <a:extLst>
+              <a:ext uri="{FF2B5EF4-FFF2-40B4-BE49-F238E27FC236}">
+                <a16:creationId xmlns:a16="http://schemas.microsoft.com/office/drawing/2014/main" id="{D68163FA-F7CC-F437-A79E-DA6925940892}"/>
+              </a:ext>
+            </a:extLst>
+          </p:cNvPr>
+          <p:cNvSpPr/>
+          <p:nvPr/>
+        </p:nvSpPr>
+        <p:spPr>
+          <a:xfrm>
+            <a:off x="3968687" y="3714689"/>
+            <a:ext cx="697580" cy="744222"/>
+          </a:xfrm>
+          <a:prstGeom prst="ellipse">
+            <a:avLst/>
+          </a:prstGeom>
+          <a:solidFill>
+            <a:srgbClr val="00B0F0"/>
+          </a:solidFill>
+        </p:spPr>
+        <p:style>
+          <a:lnRef idx="2">
+            <a:schemeClr val="accent1">
+              <a:shade val="15000"/>
+            </a:schemeClr>
+          </a:lnRef>
+          <a:fillRef idx="1">
+            <a:schemeClr val="accent1"/>
+          </a:fillRef>
+          <a:effectRef idx="0">
+            <a:schemeClr val="accent1"/>
+          </a:effectRef>
+          <a:fontRef idx="minor">
+            <a:schemeClr val="lt1"/>
+          </a:fontRef>
+        </p:style>
+        <p:txBody>
+          <a:bodyPr rtlCol="0" anchor="ctr"/>
+          <a:lstStyle/>
+          <a:p>
+            <a:pPr algn="ctr"/>
+            <a:endParaRPr lang="en-IN"/>
+          </a:p>
+        </p:txBody>
+      </p:sp>
+      <p:sp>
+        <p:nvSpPr>
+          <p:cNvPr id="12" name="Rectangle: Rounded Corners 11">
+            <a:extLst>
+              <a:ext uri="{FF2B5EF4-FFF2-40B4-BE49-F238E27FC236}">
+                <a16:creationId xmlns:a16="http://schemas.microsoft.com/office/drawing/2014/main" id="{B7440079-5ABC-A9CB-918C-8BF597461F56}"/>
+              </a:ext>
+            </a:extLst>
+          </p:cNvPr>
+          <p:cNvSpPr/>
+          <p:nvPr/>
+        </p:nvSpPr>
+        <p:spPr>
+          <a:xfrm>
+            <a:off x="311086" y="5281108"/>
+            <a:ext cx="697579" cy="1067324"/>
+          </a:xfrm>
+          <a:prstGeom prst="roundRect">
+            <a:avLst/>
+          </a:prstGeom>
+          <a:solidFill>
+            <a:srgbClr val="00B0F0"/>
+          </a:solidFill>
+        </p:spPr>
+        <p:style>
+          <a:lnRef idx="2">
+            <a:schemeClr val="accent1">
+              <a:shade val="15000"/>
+            </a:schemeClr>
+          </a:lnRef>
+          <a:fillRef idx="1">
+            <a:schemeClr val="accent1"/>
+          </a:fillRef>
+          <a:effectRef idx="0">
+            <a:schemeClr val="accent1"/>
+          </a:effectRef>
+          <a:fontRef idx="minor">
+            <a:schemeClr val="lt1"/>
+          </a:fontRef>
+        </p:style>
+        <p:txBody>
+          <a:bodyPr rtlCol="0" anchor="ctr"/>
+          <a:lstStyle/>
+          <a:p>
+            <a:pPr algn="ctr"/>
+            <a:endParaRPr lang="en-IN"/>
+          </a:p>
+        </p:txBody>
+      </p:sp>
+      <p:sp>
+        <p:nvSpPr>
+          <p:cNvPr id="13" name="Rectangle: Rounded Corners 12">
+            <a:extLst>
+              <a:ext uri="{FF2B5EF4-FFF2-40B4-BE49-F238E27FC236}">
+                <a16:creationId xmlns:a16="http://schemas.microsoft.com/office/drawing/2014/main" id="{4E0E5EFA-CEF2-C12F-10F6-F53F149EB49B}"/>
+              </a:ext>
+            </a:extLst>
+          </p:cNvPr>
+          <p:cNvSpPr/>
+          <p:nvPr/>
+        </p:nvSpPr>
+        <p:spPr>
+          <a:xfrm>
+            <a:off x="1225480" y="5281108"/>
+            <a:ext cx="697579" cy="1067324"/>
+          </a:xfrm>
+          <a:prstGeom prst="roundRect">
+            <a:avLst/>
+          </a:prstGeom>
+          <a:solidFill>
+            <a:srgbClr val="00B0F0"/>
+          </a:solidFill>
+        </p:spPr>
+        <p:style>
+          <a:lnRef idx="2">
+            <a:schemeClr val="accent1">
+              <a:shade val="15000"/>
+            </a:schemeClr>
+          </a:lnRef>
+          <a:fillRef idx="1">
+            <a:schemeClr val="accent1"/>
+          </a:fillRef>
+          <a:effectRef idx="0">
+            <a:schemeClr val="accent1"/>
+          </a:effectRef>
+          <a:fontRef idx="minor">
+            <a:schemeClr val="lt1"/>
+          </a:fontRef>
+        </p:style>
+        <p:txBody>
+          <a:bodyPr rtlCol="0" anchor="ctr"/>
+          <a:lstStyle/>
+          <a:p>
+            <a:pPr algn="ctr"/>
+            <a:endParaRPr lang="en-IN"/>
+          </a:p>
+        </p:txBody>
+      </p:sp>
+      <p:sp>
+        <p:nvSpPr>
+          <p:cNvPr id="14" name="Rectangle: Rounded Corners 13">
+            <a:extLst>
+              <a:ext uri="{FF2B5EF4-FFF2-40B4-BE49-F238E27FC236}">
+                <a16:creationId xmlns:a16="http://schemas.microsoft.com/office/drawing/2014/main" id="{15F800C5-6F5F-898C-530B-BBC93D513526}"/>
+              </a:ext>
+            </a:extLst>
+          </p:cNvPr>
+          <p:cNvSpPr/>
+          <p:nvPr/>
+        </p:nvSpPr>
+        <p:spPr>
+          <a:xfrm>
+            <a:off x="2139887" y="5281108"/>
+            <a:ext cx="697579" cy="1067324"/>
+          </a:xfrm>
+          <a:prstGeom prst="roundRect">
+            <a:avLst/>
+          </a:prstGeom>
+          <a:solidFill>
+            <a:srgbClr val="00B0F0"/>
+          </a:solidFill>
+        </p:spPr>
+        <p:style>
+          <a:lnRef idx="2">
+            <a:schemeClr val="accent1">
+              <a:shade val="15000"/>
+            </a:schemeClr>
+          </a:lnRef>
+          <a:fillRef idx="1">
+            <a:schemeClr val="accent1"/>
+          </a:fillRef>
+          <a:effectRef idx="0">
+            <a:schemeClr val="accent1"/>
+          </a:effectRef>
+          <a:fontRef idx="minor">
+            <a:schemeClr val="lt1"/>
+          </a:fontRef>
+        </p:style>
+        <p:txBody>
+          <a:bodyPr rtlCol="0" anchor="ctr"/>
+          <a:lstStyle/>
+          <a:p>
+            <a:pPr algn="ctr"/>
+            <a:endParaRPr lang="en-IN"/>
+          </a:p>
+        </p:txBody>
+      </p:sp>
+      <p:sp>
+        <p:nvSpPr>
+          <p:cNvPr id="15" name="Rectangle: Rounded Corners 14">
+            <a:extLst>
+              <a:ext uri="{FF2B5EF4-FFF2-40B4-BE49-F238E27FC236}">
+                <a16:creationId xmlns:a16="http://schemas.microsoft.com/office/drawing/2014/main" id="{D053E31A-FCB7-24A0-BB45-C112D9584E65}"/>
+              </a:ext>
+            </a:extLst>
+          </p:cNvPr>
+          <p:cNvSpPr/>
+          <p:nvPr/>
+        </p:nvSpPr>
+        <p:spPr>
+          <a:xfrm>
+            <a:off x="3054289" y="5281108"/>
+            <a:ext cx="697579" cy="1067324"/>
+          </a:xfrm>
+          <a:prstGeom prst="roundRect">
+            <a:avLst/>
+          </a:prstGeom>
+          <a:solidFill>
+            <a:srgbClr val="00B0F0"/>
+          </a:solidFill>
+        </p:spPr>
+        <p:style>
+          <a:lnRef idx="2">
+            <a:schemeClr val="accent1">
+              <a:shade val="15000"/>
+            </a:schemeClr>
+          </a:lnRef>
+          <a:fillRef idx="1">
+            <a:schemeClr val="accent1"/>
+          </a:fillRef>
+          <a:effectRef idx="0">
+            <a:schemeClr val="accent1"/>
+          </a:effectRef>
+          <a:fontRef idx="minor">
+            <a:schemeClr val="lt1"/>
+          </a:fontRef>
+        </p:style>
+        <p:txBody>
+          <a:bodyPr rtlCol="0" anchor="ctr"/>
+          <a:lstStyle/>
+          <a:p>
+            <a:pPr algn="ctr"/>
+            <a:endParaRPr lang="en-IN"/>
+          </a:p>
+        </p:txBody>
+      </p:sp>
+      <p:sp>
+        <p:nvSpPr>
+          <p:cNvPr id="16" name="Rectangle: Rounded Corners 15">
+            <a:extLst>
+              <a:ext uri="{FF2B5EF4-FFF2-40B4-BE49-F238E27FC236}">
+                <a16:creationId xmlns:a16="http://schemas.microsoft.com/office/drawing/2014/main" id="{2405742A-0824-CF07-94CE-FFF01C2CD7AD}"/>
+              </a:ext>
+            </a:extLst>
+          </p:cNvPr>
+          <p:cNvSpPr/>
+          <p:nvPr/>
+        </p:nvSpPr>
+        <p:spPr>
+          <a:xfrm>
+            <a:off x="3968688" y="5281108"/>
+            <a:ext cx="697579" cy="1067324"/>
+          </a:xfrm>
+          <a:prstGeom prst="roundRect">
+            <a:avLst/>
+          </a:prstGeom>
+          <a:solidFill>
+            <a:srgbClr val="00B0F0"/>
+          </a:solidFill>
+        </p:spPr>
+        <p:style>
+          <a:lnRef idx="2">
+            <a:schemeClr val="accent1">
+              <a:shade val="15000"/>
+            </a:schemeClr>
+          </a:lnRef>
+          <a:fillRef idx="1">
+            <a:schemeClr val="accent1"/>
+          </a:fillRef>
+          <a:effectRef idx="0">
+            <a:schemeClr val="accent1"/>
+          </a:effectRef>
+          <a:fontRef idx="minor">
+            <a:schemeClr val="lt1"/>
+          </a:fontRef>
+        </p:style>
+        <p:txBody>
+          <a:bodyPr rtlCol="0" anchor="ctr"/>
+          <a:lstStyle/>
+          <a:p>
+            <a:pPr algn="ctr"/>
+            <a:endParaRPr lang="en-IN"/>
+          </a:p>
+        </p:txBody>
+      </p:sp>
+      <p:pic>
+        <p:nvPicPr>
+          <p:cNvPr id="29" name="Picture 28">
+            <a:extLst>
+              <a:ext uri="{FF2B5EF4-FFF2-40B4-BE49-F238E27FC236}">
+                <a16:creationId xmlns:a16="http://schemas.microsoft.com/office/drawing/2014/main" id="{8F33A8A8-A432-A80B-A5B5-F4A58A45181E}"/>
+              </a:ext>
+            </a:extLst>
+          </p:cNvPr>
+          <p:cNvPicPr>
+            <a:picLocks noChangeAspect="1"/>
+          </p:cNvPicPr>
+          <p:nvPr/>
+        </p:nvPicPr>
+        <p:blipFill>
+          <a:blip r:embed="rId3"/>
+          <a:stretch>
+            <a:fillRect/>
+          </a:stretch>
+        </p:blipFill>
+        <p:spPr>
+          <a:xfrm>
+            <a:off x="311084" y="3714688"/>
+            <a:ext cx="697583" cy="750591"/>
+          </a:xfrm>
+          <a:prstGeom prst="rect">
+            <a:avLst/>
+          </a:prstGeom>
+        </p:spPr>
+      </p:pic>
+      <p:sp>
+        <p:nvSpPr>
+          <p:cNvPr id="8" name="Oval 7">
+            <a:extLst>
+              <a:ext uri="{FF2B5EF4-FFF2-40B4-BE49-F238E27FC236}">
+                <a16:creationId xmlns:a16="http://schemas.microsoft.com/office/drawing/2014/main" id="{CC348F8B-9620-D460-46C2-B97E9913C95E}"/>
+              </a:ext>
+            </a:extLst>
+          </p:cNvPr>
+          <p:cNvSpPr/>
+          <p:nvPr/>
+        </p:nvSpPr>
+        <p:spPr>
+          <a:xfrm>
+            <a:off x="1225487" y="3714689"/>
+            <a:ext cx="697580" cy="744222"/>
+          </a:xfrm>
+          <a:prstGeom prst="ellipse">
+            <a:avLst/>
+          </a:prstGeom>
+          <a:solidFill>
+            <a:srgbClr val="0070C0"/>
+          </a:solidFill>
+        </p:spPr>
+        <p:style>
+          <a:lnRef idx="2">
+            <a:schemeClr val="accent1">
+              <a:shade val="15000"/>
+            </a:schemeClr>
+          </a:lnRef>
+          <a:fillRef idx="1">
+            <a:schemeClr val="accent1"/>
+          </a:fillRef>
+          <a:effectRef idx="0">
+            <a:schemeClr val="accent1"/>
+          </a:effectRef>
+          <a:fontRef idx="minor">
+            <a:schemeClr val="lt1"/>
+          </a:fontRef>
+        </p:style>
+        <p:txBody>
+          <a:bodyPr rtlCol="0" anchor="ctr"/>
+          <a:lstStyle/>
+          <a:p>
+            <a:pPr algn="ctr"/>
+            <a:endParaRPr lang="en-IN"/>
+          </a:p>
+        </p:txBody>
+      </p:sp>
+      <p:pic>
+        <p:nvPicPr>
+          <p:cNvPr id="31" name="Picture 30">
+            <a:extLst>
+              <a:ext uri="{FF2B5EF4-FFF2-40B4-BE49-F238E27FC236}">
+                <a16:creationId xmlns:a16="http://schemas.microsoft.com/office/drawing/2014/main" id="{F7447C20-6E81-9249-91DD-69ABBE7944C5}"/>
+              </a:ext>
+            </a:extLst>
+          </p:cNvPr>
+          <p:cNvPicPr>
+            <a:picLocks noChangeAspect="1"/>
+          </p:cNvPicPr>
+          <p:nvPr/>
+        </p:nvPicPr>
+        <p:blipFill>
+          <a:blip r:embed="rId4"/>
+          <a:stretch>
+            <a:fillRect/>
+          </a:stretch>
+        </p:blipFill>
+        <p:spPr>
+          <a:xfrm>
+            <a:off x="1244019" y="3714688"/>
+            <a:ext cx="662035" cy="662035"/>
+          </a:xfrm>
+          <a:prstGeom prst="rect">
+            <a:avLst/>
+          </a:prstGeom>
+        </p:spPr>
+      </p:pic>
+      <p:pic>
+        <p:nvPicPr>
+          <p:cNvPr id="33" name="Picture 32">
+            <a:extLst>
+              <a:ext uri="{FF2B5EF4-FFF2-40B4-BE49-F238E27FC236}">
+                <a16:creationId xmlns:a16="http://schemas.microsoft.com/office/drawing/2014/main" id="{8316B026-0814-AB50-F1C4-6A33BDC7A67C}"/>
+              </a:ext>
+            </a:extLst>
+          </p:cNvPr>
+          <p:cNvPicPr>
+            <a:picLocks noChangeAspect="1"/>
+          </p:cNvPicPr>
+          <p:nvPr/>
+        </p:nvPicPr>
+        <p:blipFill>
+          <a:blip r:embed="rId5"/>
+          <a:stretch>
+            <a:fillRect/>
+          </a:stretch>
+        </p:blipFill>
+        <p:spPr>
+          <a:xfrm>
+            <a:off x="2122723" y="3714595"/>
+            <a:ext cx="714743" cy="744223"/>
+          </a:xfrm>
+          <a:prstGeom prst="rect">
+            <a:avLst/>
+          </a:prstGeom>
+        </p:spPr>
+      </p:pic>
     </p:spTree>
   </p:cSld>
   <p:clrMapOvr>
@@ -25178,7 +25861,7 @@
         </p:nvSpPr>
         <p:spPr>
           <a:xfrm>
-            <a:off x="952499" y="1096346"/>
+            <a:off x="122940" y="142910"/>
             <a:ext cx="5780809" cy="610863"/>
           </a:xfrm>
           <a:prstGeom prst="rect">
@@ -25213,10 +25896,14 @@
               <a:buNone/>
             </a:pPr>
             <a:r>
-              <a:rPr lang="en-US"/>
+              <a:rPr lang="en-US" dirty="0">
+                <a:latin typeface="+mj-lt"/>
+              </a:rPr>
               <a:t>Idea/Approach Details</a:t>
             </a:r>
-            <a:endParaRPr/>
+            <a:endParaRPr dirty="0">
+              <a:latin typeface="+mj-lt"/>
+            </a:endParaRPr>
           </a:p>
         </p:txBody>
       </p:sp>
@@ -25232,7 +25919,7 @@
         </p:nvSpPr>
         <p:spPr>
           <a:xfrm>
-            <a:off x="952500" y="2286000"/>
+            <a:off x="122940" y="824845"/>
             <a:ext cx="4838700" cy="315915"/>
           </a:xfrm>
           <a:prstGeom prst="rect">
@@ -25266,10 +25953,14 @@
               <a:buNone/>
             </a:pPr>
             <a:r>
-              <a:rPr lang="en-US" sz="1800"/>
-              <a:t>Describe your Use Cases here</a:t>
+              <a:rPr lang="en-US" sz="1800" b="1" dirty="0">
+                <a:latin typeface="+mj-lt"/>
+              </a:rPr>
+              <a:t>Use Case:</a:t>
             </a:r>
-            <a:endParaRPr/>
+            <a:endParaRPr b="1" dirty="0">
+              <a:latin typeface="+mj-lt"/>
+            </a:endParaRPr>
           </a:p>
         </p:txBody>
       </p:sp>
@@ -25285,13 +25976,15 @@
         </p:nvSpPr>
         <p:spPr>
           <a:xfrm>
-            <a:off x="952499" y="2656903"/>
-            <a:ext cx="4838701" cy="3922968"/>
+            <a:off x="358610" y="1191521"/>
+            <a:ext cx="3883452" cy="5384123"/>
           </a:xfrm>
           <a:prstGeom prst="rect">
             <a:avLst/>
           </a:prstGeom>
-          <a:noFill/>
+          <a:solidFill>
+            <a:schemeClr val="bg1"/>
+          </a:solidFill>
           <a:ln w="9525" cap="flat" cmpd="sng">
             <a:solidFill>
               <a:schemeClr val="dk1"/>
@@ -25308,7 +26001,7 @@
           </a:bodyPr>
           <a:lstStyle/>
           <a:p>
-            <a:pPr marL="285750" lvl="0" indent="-285750" algn="l" rtl="0">
+            <a:pPr marL="0" lvl="0" indent="0" algn="l" rtl="0">
               <a:lnSpc>
                 <a:spcPct val="90000"/>
               </a:lnSpc>
@@ -25322,60 +26015,16 @@
                 <a:schemeClr val="dk1"/>
               </a:buClr>
               <a:buSzPts val="1600"/>
-              <a:buFont typeface="Noto Sans Symbols"/>
-              <a:buChar char="⮚"/>
             </a:pPr>
             <a:r>
-              <a:rPr lang="en-US"/>
+              <a:rPr lang="en-US" dirty="0">
+                <a:latin typeface="+mj-lt"/>
+              </a:rPr>
               <a:t>  </a:t>
             </a:r>
-            <a:endParaRPr/>
-          </a:p>
-        </p:txBody>
-      </p:sp>
-      <p:sp>
-        <p:nvSpPr>
-          <p:cNvPr id="230" name="Google Shape;230;p3"/>
-          <p:cNvSpPr txBox="1">
-            <a:spLocks noGrp="1"/>
-          </p:cNvSpPr>
-          <p:nvPr>
-            <p:ph type="sldNum" idx="12"/>
-          </p:nvPr>
-        </p:nvSpPr>
-        <p:spPr>
-          <a:xfrm>
-            <a:off x="971550" y="6332220"/>
-            <a:ext cx="523240" cy="247651"/>
-          </a:xfrm>
-          <a:prstGeom prst="rect">
-            <a:avLst/>
-          </a:prstGeom>
-          <a:noFill/>
-          <a:ln>
-            <a:noFill/>
-          </a:ln>
-        </p:spPr>
-        <p:txBody>
-          <a:bodyPr spcFirstLastPara="1" wrap="square" lIns="0" tIns="0" rIns="0" bIns="0" anchor="t" anchorCtr="0">
-            <a:noAutofit/>
-          </a:bodyPr>
-          <a:lstStyle/>
-          <a:p>
-            <a:pPr marL="0" lvl="0" indent="0" algn="l" rtl="0">
-              <a:spcBef>
-                <a:spcPts val="0"/>
-              </a:spcBef>
-              <a:spcAft>
-                <a:spcPts val="0"/>
-              </a:spcAft>
-              <a:buNone/>
-            </a:pPr>
-            <a:fld id="{00000000-1234-1234-1234-123412341234}" type="slidenum">
-              <a:rPr lang="en-US"/>
-              <a:t>3</a:t>
-            </a:fld>
-            <a:endParaRPr/>
+            <a:endParaRPr dirty="0">
+              <a:latin typeface="+mj-lt"/>
+            </a:endParaRPr>
           </a:p>
         </p:txBody>
       </p:sp>
@@ -25387,7 +26036,7 @@
         </p:nvSpPr>
         <p:spPr>
           <a:xfrm>
-            <a:off x="6096000" y="2286000"/>
+            <a:off x="5062195" y="816803"/>
             <a:ext cx="5143500" cy="315915"/>
           </a:xfrm>
           <a:prstGeom prst="rect">
@@ -25422,18 +26071,20 @@
               <a:buNone/>
             </a:pPr>
             <a:r>
-              <a:rPr lang="en-US" sz="1800" b="0" i="0">
+              <a:rPr lang="en-US" sz="1800" b="1" i="0" dirty="0">
                 <a:solidFill>
                   <a:schemeClr val="lt2"/>
                 </a:solidFill>
-                <a:latin typeface="Franklin Gothic"/>
+                <a:latin typeface="+mj-lt"/>
                 <a:ea typeface="Franklin Gothic"/>
                 <a:cs typeface="Franklin Gothic"/>
                 <a:sym typeface="Franklin Gothic"/>
               </a:rPr>
-              <a:t>Describe your Dependencies / Show stopper here</a:t>
+              <a:t>Show Stopper:</a:t>
             </a:r>
-            <a:endParaRPr/>
+            <a:endParaRPr lang="en-US" b="1" dirty="0">
+              <a:latin typeface="+mj-lt"/>
+            </a:endParaRPr>
           </a:p>
         </p:txBody>
       </p:sp>
@@ -25445,30 +26096,38 @@
         </p:nvSpPr>
         <p:spPr>
           <a:xfrm>
-            <a:off x="6248399" y="2656903"/>
-            <a:ext cx="4838701" cy="3922968"/>
+            <a:off x="5062195" y="1195748"/>
+            <a:ext cx="7006864" cy="5384122"/>
           </a:xfrm>
           <a:prstGeom prst="rect">
             <a:avLst/>
           </a:prstGeom>
-          <a:noFill/>
-          <a:ln w="9525" cap="flat" cmpd="sng">
-            <a:solidFill>
-              <a:schemeClr val="dk1"/>
-            </a:solidFill>
-            <a:prstDash val="solid"/>
-            <a:round/>
+          <a:ln>
             <a:headEnd type="none" w="sm" len="sm"/>
             <a:tailEnd type="none" w="sm" len="sm"/>
           </a:ln>
         </p:spPr>
+        <p:style>
+          <a:lnRef idx="2">
+            <a:schemeClr val="dk1"/>
+          </a:lnRef>
+          <a:fillRef idx="1">
+            <a:schemeClr val="lt1"/>
+          </a:fillRef>
+          <a:effectRef idx="0">
+            <a:schemeClr val="dk1"/>
+          </a:effectRef>
+          <a:fontRef idx="minor">
+            <a:schemeClr val="dk1"/>
+          </a:fontRef>
+        </p:style>
         <p:txBody>
           <a:bodyPr spcFirstLastPara="1" wrap="square" lIns="91425" tIns="45700" rIns="91425" bIns="45700" anchor="t" anchorCtr="0">
             <a:noAutofit/>
           </a:bodyPr>
           <a:lstStyle/>
           <a:p>
-            <a:pPr marL="285750" marR="0" lvl="0" indent="-285750" algn="l" rtl="0">
+            <a:pPr marR="0" lvl="0" algn="l" rtl="0">
               <a:lnSpc>
                 <a:spcPct val="90000"/>
               </a:lnSpc>
@@ -25482,22 +26141,22 @@
                 <a:schemeClr val="dk1"/>
               </a:buClr>
               <a:buSzPts val="1600"/>
-              <a:buFont typeface="Noto Sans Symbols"/>
-              <a:buChar char="⮚"/>
             </a:pPr>
             <a:r>
               <a:rPr lang="en-US" sz="1600" b="0" i="0">
                 <a:solidFill>
                   <a:schemeClr val="dk1"/>
                 </a:solidFill>
-                <a:latin typeface="Libre Franklin"/>
+                <a:latin typeface="+mj-lt"/>
                 <a:ea typeface="Libre Franklin"/>
                 <a:cs typeface="Libre Franklin"/>
                 <a:sym typeface="Libre Franklin"/>
               </a:rPr>
               <a:t>  </a:t>
             </a:r>
-            <a:endParaRPr/>
+            <a:endParaRPr>
+              <a:latin typeface="+mj-lt"/>
+            </a:endParaRPr>
           </a:p>
         </p:txBody>
       </p:sp>
@@ -25573,10 +26232,14 @@
               <a:buNone/>
             </a:pPr>
             <a:r>
-              <a:rPr lang="en-US"/>
+              <a:rPr lang="en-US" dirty="0">
+                <a:latin typeface="+mj-lt"/>
+              </a:rPr>
               <a:t>Team Member Details </a:t>
             </a:r>
-            <a:endParaRPr/>
+            <a:endParaRPr dirty="0">
+              <a:latin typeface="+mj-lt"/>
+            </a:endParaRPr>
           </a:p>
         </p:txBody>
       </p:sp>
@@ -25626,14 +26289,21 @@
               <a:buNone/>
             </a:pPr>
             <a:r>
-              <a:rPr lang="en-US" sz="1200" b="1">
+              <a:rPr lang="en-US" sz="1200" b="1" dirty="0">
                 <a:solidFill>
                   <a:srgbClr val="5D7C3F"/>
                 </a:solidFill>
+                <a:latin typeface="Tahoma" panose="020B0604030504040204" pitchFamily="34" charset="0"/>
+                <a:ea typeface="Tahoma" panose="020B0604030504040204" pitchFamily="34" charset="0"/>
+                <a:cs typeface="Tahoma" panose="020B0604030504040204" pitchFamily="34" charset="0"/>
               </a:rPr>
               <a:t>Team Leader Name: Type Your Name Here</a:t>
             </a:r>
-            <a:endParaRPr/>
+            <a:endParaRPr dirty="0">
+              <a:latin typeface="Tahoma" panose="020B0604030504040204" pitchFamily="34" charset="0"/>
+              <a:ea typeface="Tahoma" panose="020B0604030504040204" pitchFamily="34" charset="0"/>
+              <a:cs typeface="Tahoma" panose="020B0604030504040204" pitchFamily="34" charset="0"/>
+            </a:endParaRPr>
           </a:p>
           <a:p>
             <a:pPr marL="0" lvl="0" indent="0" algn="l" rtl="0">
@@ -25653,10 +26323,58 @@
               <a:buNone/>
             </a:pPr>
             <a:r>
-              <a:rPr lang="en-US" sz="1200"/>
-              <a:t>Branch (Btech/Mtech/PhD etc):			Stream (ECE, CSE etc):			Year (I,II,III,IV): </a:t>
+              <a:rPr lang="en-US" sz="1200" b="1" dirty="0" err="1">
+                <a:latin typeface="Tahoma" panose="020B0604030504040204" pitchFamily="34" charset="0"/>
+                <a:ea typeface="Tahoma" panose="020B0604030504040204" pitchFamily="34" charset="0"/>
+                <a:cs typeface="Tahoma" panose="020B0604030504040204" pitchFamily="34" charset="0"/>
+              </a:rPr>
+              <a:t>Msc</a:t>
             </a:r>
-            <a:endParaRPr/>
+            <a:r>
+              <a:rPr lang="en-US" sz="1200" b="1" dirty="0">
+                <a:latin typeface="Tahoma" panose="020B0604030504040204" pitchFamily="34" charset="0"/>
+                <a:ea typeface="Tahoma" panose="020B0604030504040204" pitchFamily="34" charset="0"/>
+                <a:cs typeface="Tahoma" panose="020B0604030504040204" pitchFamily="34" charset="0"/>
+              </a:rPr>
+              <a:t>.		</a:t>
+            </a:r>
+            <a:r>
+              <a:rPr lang="en-US" sz="1200" dirty="0">
+                <a:latin typeface="Tahoma" panose="020B0604030504040204" pitchFamily="34" charset="0"/>
+                <a:ea typeface="Tahoma" panose="020B0604030504040204" pitchFamily="34" charset="0"/>
+                <a:cs typeface="Tahoma" panose="020B0604030504040204" pitchFamily="34" charset="0"/>
+              </a:rPr>
+              <a:t>			Stream (ECE, CSE </a:t>
+            </a:r>
+            <a:r>
+              <a:rPr lang="en-US" sz="1200" dirty="0" err="1">
+                <a:latin typeface="Tahoma" panose="020B0604030504040204" pitchFamily="34" charset="0"/>
+                <a:ea typeface="Tahoma" panose="020B0604030504040204" pitchFamily="34" charset="0"/>
+                <a:cs typeface="Tahoma" panose="020B0604030504040204" pitchFamily="34" charset="0"/>
+              </a:rPr>
+              <a:t>etc</a:t>
+            </a:r>
+            <a:r>
+              <a:rPr lang="en-US" sz="1200" dirty="0">
+                <a:latin typeface="Tahoma" panose="020B0604030504040204" pitchFamily="34" charset="0"/>
+                <a:ea typeface="Tahoma" panose="020B0604030504040204" pitchFamily="34" charset="0"/>
+                <a:cs typeface="Tahoma" panose="020B0604030504040204" pitchFamily="34" charset="0"/>
+              </a:rPr>
+              <a:t>):			Year (I,II,III,IV): </a:t>
+            </a:r>
+            <a:r>
+              <a:rPr lang="en-US" sz="1200" b="1" dirty="0">
+                <a:latin typeface="Tahoma" panose="020B0604030504040204" pitchFamily="34" charset="0"/>
+                <a:ea typeface="Tahoma" panose="020B0604030504040204" pitchFamily="34" charset="0"/>
+                <a:cs typeface="Tahoma" panose="020B0604030504040204" pitchFamily="34" charset="0"/>
+              </a:rPr>
+              <a:t>I</a:t>
+            </a:r>
+            <a:endParaRPr b="1" dirty="0">
+              <a:latin typeface="Tahoma" panose="020B0604030504040204" pitchFamily="34" charset="0"/>
+              <a:ea typeface="Tahoma" panose="020B0604030504040204" pitchFamily="34" charset="0"/>
+              <a:cs typeface="Tahoma" panose="020B0604030504040204" pitchFamily="34" charset="0"/>
+            </a:endParaRPr>
           </a:p>
           <a:p>
             <a:pPr marL="0" lvl="0" indent="0" algn="l" rtl="0">
@@ -25676,14 +26394,35 @@
               <a:buNone/>
             </a:pPr>
             <a:r>
-              <a:rPr lang="en-US" sz="1200" b="1">
+              <a:rPr lang="en-US" sz="1200" b="1" dirty="0">
                 <a:solidFill>
                   <a:srgbClr val="5D7C3F"/>
                 </a:solidFill>
+                <a:latin typeface="Tahoma" panose="020B0604030504040204" pitchFamily="34" charset="0"/>
+                <a:ea typeface="Tahoma" panose="020B0604030504040204" pitchFamily="34" charset="0"/>
+                <a:cs typeface="Tahoma" panose="020B0604030504040204" pitchFamily="34" charset="0"/>
               </a:rPr>
-              <a:t>Team Member 1 Name: Type Your Name Here</a:t>
+              <a:t>Team Member 1 Name: </a:t>
             </a:r>
-            <a:endParaRPr/>
+            <a:r>
+              <a:rPr lang="en-IN" sz="1200" b="1" dirty="0">
+                <a:solidFill>
+                  <a:schemeClr val="tx1"/>
+                </a:solidFill>
+                <a:latin typeface="Tahoma" panose="020B0604030504040204" pitchFamily="34" charset="0"/>
+                <a:ea typeface="Tahoma" panose="020B0604030504040204" pitchFamily="34" charset="0"/>
+                <a:cs typeface="Tahoma" panose="020B0604030504040204" pitchFamily="34" charset="0"/>
+              </a:rPr>
+              <a:t>JOSHI SMIT</a:t>
+            </a:r>
+            <a:endParaRPr dirty="0">
+              <a:solidFill>
+                <a:schemeClr val="tx1"/>
+              </a:solidFill>
+              <a:latin typeface="Tahoma" panose="020B0604030504040204" pitchFamily="34" charset="0"/>
+              <a:ea typeface="Tahoma" panose="020B0604030504040204" pitchFamily="34" charset="0"/>
+              <a:cs typeface="Tahoma" panose="020B0604030504040204" pitchFamily="34" charset="0"/>
+            </a:endParaRPr>
           </a:p>
           <a:p>
             <a:pPr marL="0" lvl="0" indent="0" algn="l" rtl="0">
@@ -25703,10 +26442,58 @@
               <a:buNone/>
             </a:pPr>
             <a:r>
-              <a:rPr lang="en-US" sz="1200"/>
-              <a:t>Branch (Btech/Mtech/PhD etc):			Stream (ECE, CSE etc):			Year (I,II,III,IV): </a:t>
+              <a:rPr lang="en-US" sz="1200" b="1" dirty="0" err="1">
+                <a:latin typeface="Tahoma" panose="020B0604030504040204" pitchFamily="34" charset="0"/>
+                <a:ea typeface="Tahoma" panose="020B0604030504040204" pitchFamily="34" charset="0"/>
+                <a:cs typeface="Tahoma" panose="020B0604030504040204" pitchFamily="34" charset="0"/>
+              </a:rPr>
+              <a:t>Msc</a:t>
             </a:r>
-            <a:endParaRPr/>
+            <a:r>
+              <a:rPr lang="en-US" sz="1200" b="1" dirty="0">
+                <a:latin typeface="Tahoma" panose="020B0604030504040204" pitchFamily="34" charset="0"/>
+                <a:ea typeface="Tahoma" panose="020B0604030504040204" pitchFamily="34" charset="0"/>
+                <a:cs typeface="Tahoma" panose="020B0604030504040204" pitchFamily="34" charset="0"/>
+              </a:rPr>
+              <a:t>.</a:t>
+            </a:r>
+            <a:r>
+              <a:rPr lang="en-US" sz="1200" dirty="0">
+                <a:latin typeface="Tahoma" panose="020B0604030504040204" pitchFamily="34" charset="0"/>
+                <a:ea typeface="Tahoma" panose="020B0604030504040204" pitchFamily="34" charset="0"/>
+                <a:cs typeface="Tahoma" panose="020B0604030504040204" pitchFamily="34" charset="0"/>
+              </a:rPr>
+              <a:t>					Stream (ECE, CSE </a:t>
+            </a:r>
+            <a:r>
+              <a:rPr lang="en-US" sz="1200" dirty="0" err="1">
+                <a:latin typeface="Tahoma" panose="020B0604030504040204" pitchFamily="34" charset="0"/>
+                <a:ea typeface="Tahoma" panose="020B0604030504040204" pitchFamily="34" charset="0"/>
+                <a:cs typeface="Tahoma" panose="020B0604030504040204" pitchFamily="34" charset="0"/>
+              </a:rPr>
+              <a:t>etc</a:t>
+            </a:r>
+            <a:r>
+              <a:rPr lang="en-US" sz="1200" dirty="0">
+                <a:latin typeface="Tahoma" panose="020B0604030504040204" pitchFamily="34" charset="0"/>
+                <a:ea typeface="Tahoma" panose="020B0604030504040204" pitchFamily="34" charset="0"/>
+                <a:cs typeface="Tahoma" panose="020B0604030504040204" pitchFamily="34" charset="0"/>
+              </a:rPr>
+              <a:t>):			Year (I,II,III,IV): </a:t>
+            </a:r>
+            <a:r>
+              <a:rPr lang="en-US" sz="1200" b="1" dirty="0">
+                <a:latin typeface="Tahoma" panose="020B0604030504040204" pitchFamily="34" charset="0"/>
+                <a:ea typeface="Tahoma" panose="020B0604030504040204" pitchFamily="34" charset="0"/>
+                <a:cs typeface="Tahoma" panose="020B0604030504040204" pitchFamily="34" charset="0"/>
+              </a:rPr>
+              <a:t>I</a:t>
+            </a:r>
+            <a:endParaRPr b="1" dirty="0">
+              <a:latin typeface="Tahoma" panose="020B0604030504040204" pitchFamily="34" charset="0"/>
+              <a:ea typeface="Tahoma" panose="020B0604030504040204" pitchFamily="34" charset="0"/>
+              <a:cs typeface="Tahoma" panose="020B0604030504040204" pitchFamily="34" charset="0"/>
+            </a:endParaRPr>
           </a:p>
           <a:p>
             <a:pPr marL="0" lvl="0" indent="0" algn="l" rtl="0">
@@ -25726,14 +26513,35 @@
               <a:buNone/>
             </a:pPr>
             <a:r>
-              <a:rPr lang="en-US" sz="1200" b="1">
+              <a:rPr lang="en-US" sz="1200" b="1" dirty="0">
                 <a:solidFill>
                   <a:srgbClr val="5D7C3F"/>
                 </a:solidFill>
+                <a:latin typeface="Tahoma" panose="020B0604030504040204" pitchFamily="34" charset="0"/>
+                <a:ea typeface="Tahoma" panose="020B0604030504040204" pitchFamily="34" charset="0"/>
+                <a:cs typeface="Tahoma" panose="020B0604030504040204" pitchFamily="34" charset="0"/>
               </a:rPr>
-              <a:t>Team Member 2 Name: Type Your Name Here</a:t>
+              <a:t>Team Member 2 Name: </a:t>
             </a:r>
-            <a:endParaRPr/>
+            <a:r>
+              <a:rPr lang="en-US" sz="1200" b="1" dirty="0">
+                <a:solidFill>
+                  <a:schemeClr val="tx1"/>
+                </a:solidFill>
+                <a:latin typeface="Tahoma" panose="020B0604030504040204" pitchFamily="34" charset="0"/>
+                <a:ea typeface="Tahoma" panose="020B0604030504040204" pitchFamily="34" charset="0"/>
+                <a:cs typeface="Tahoma" panose="020B0604030504040204" pitchFamily="34" charset="0"/>
+              </a:rPr>
+              <a:t>MODI TEJASV</a:t>
+            </a:r>
+            <a:endParaRPr b="1" dirty="0">
+              <a:solidFill>
+                <a:schemeClr val="tx1"/>
+              </a:solidFill>
+              <a:latin typeface="Tahoma" panose="020B0604030504040204" pitchFamily="34" charset="0"/>
+              <a:ea typeface="Tahoma" panose="020B0604030504040204" pitchFamily="34" charset="0"/>
+              <a:cs typeface="Tahoma" panose="020B0604030504040204" pitchFamily="34" charset="0"/>
+            </a:endParaRPr>
           </a:p>
           <a:p>
             <a:pPr marL="0" lvl="0" indent="0" algn="l" rtl="0">
@@ -25753,10 +26561,58 @@
               <a:buNone/>
             </a:pPr>
             <a:r>
-              <a:rPr lang="en-US" sz="1200"/>
-              <a:t>Branch (Btech/Mtech/PhD etc):			Stream (ECE, CSE etc):			Year (I,II,III,IV): </a:t>
+              <a:rPr lang="en-US" sz="1200" b="1" dirty="0" err="1">
+                <a:latin typeface="Tahoma" panose="020B0604030504040204" pitchFamily="34" charset="0"/>
+                <a:ea typeface="Tahoma" panose="020B0604030504040204" pitchFamily="34" charset="0"/>
+                <a:cs typeface="Tahoma" panose="020B0604030504040204" pitchFamily="34" charset="0"/>
+              </a:rPr>
+              <a:t>Msc</a:t>
             </a:r>
-            <a:endParaRPr/>
+            <a:r>
+              <a:rPr lang="en-US" sz="1200" b="1" dirty="0">
+                <a:latin typeface="Tahoma" panose="020B0604030504040204" pitchFamily="34" charset="0"/>
+                <a:ea typeface="Tahoma" panose="020B0604030504040204" pitchFamily="34" charset="0"/>
+                <a:cs typeface="Tahoma" panose="020B0604030504040204" pitchFamily="34" charset="0"/>
+              </a:rPr>
+              <a:t>.		</a:t>
+            </a:r>
+            <a:r>
+              <a:rPr lang="en-US" sz="1200" dirty="0">
+                <a:latin typeface="Tahoma" panose="020B0604030504040204" pitchFamily="34" charset="0"/>
+                <a:ea typeface="Tahoma" panose="020B0604030504040204" pitchFamily="34" charset="0"/>
+                <a:cs typeface="Tahoma" panose="020B0604030504040204" pitchFamily="34" charset="0"/>
+              </a:rPr>
+              <a:t>			Stream (ECE, CSE </a:t>
+            </a:r>
+            <a:r>
+              <a:rPr lang="en-US" sz="1200" dirty="0" err="1">
+                <a:latin typeface="Tahoma" panose="020B0604030504040204" pitchFamily="34" charset="0"/>
+                <a:ea typeface="Tahoma" panose="020B0604030504040204" pitchFamily="34" charset="0"/>
+                <a:cs typeface="Tahoma" panose="020B0604030504040204" pitchFamily="34" charset="0"/>
+              </a:rPr>
+              <a:t>etc</a:t>
+            </a:r>
+            <a:r>
+              <a:rPr lang="en-US" sz="1200" dirty="0">
+                <a:latin typeface="Tahoma" panose="020B0604030504040204" pitchFamily="34" charset="0"/>
+                <a:ea typeface="Tahoma" panose="020B0604030504040204" pitchFamily="34" charset="0"/>
+                <a:cs typeface="Tahoma" panose="020B0604030504040204" pitchFamily="34" charset="0"/>
+              </a:rPr>
+              <a:t>):			Year (I,II,III,IV): </a:t>
+            </a:r>
+            <a:r>
+              <a:rPr lang="en-US" sz="1200" b="1" dirty="0">
+                <a:latin typeface="Tahoma" panose="020B0604030504040204" pitchFamily="34" charset="0"/>
+                <a:ea typeface="Tahoma" panose="020B0604030504040204" pitchFamily="34" charset="0"/>
+                <a:cs typeface="Tahoma" panose="020B0604030504040204" pitchFamily="34" charset="0"/>
+              </a:rPr>
+              <a:t>I.</a:t>
+            </a:r>
+            <a:endParaRPr b="1" dirty="0">
+              <a:latin typeface="Tahoma" panose="020B0604030504040204" pitchFamily="34" charset="0"/>
+              <a:ea typeface="Tahoma" panose="020B0604030504040204" pitchFamily="34" charset="0"/>
+              <a:cs typeface="Tahoma" panose="020B0604030504040204" pitchFamily="34" charset="0"/>
+            </a:endParaRPr>
           </a:p>
           <a:p>
             <a:pPr marL="0" lvl="0" indent="0" algn="l" rtl="0">
@@ -25776,14 +26632,21 @@
               <a:buNone/>
             </a:pPr>
             <a:r>
-              <a:rPr lang="en-US" sz="1200" b="1">
+              <a:rPr lang="en-US" sz="1200" b="1" dirty="0">
                 <a:solidFill>
                   <a:srgbClr val="5D7C3F"/>
                 </a:solidFill>
+                <a:latin typeface="Tahoma" panose="020B0604030504040204" pitchFamily="34" charset="0"/>
+                <a:ea typeface="Tahoma" panose="020B0604030504040204" pitchFamily="34" charset="0"/>
+                <a:cs typeface="Tahoma" panose="020B0604030504040204" pitchFamily="34" charset="0"/>
               </a:rPr>
-              <a:t>Team Member 3 Name: Type Your Name Here</a:t>
+              <a:t>Team Member 3 Name: -</a:t>
             </a:r>
-            <a:endParaRPr/>
+            <a:endParaRPr dirty="0">
+              <a:latin typeface="Tahoma" panose="020B0604030504040204" pitchFamily="34" charset="0"/>
+              <a:ea typeface="Tahoma" panose="020B0604030504040204" pitchFamily="34" charset="0"/>
+              <a:cs typeface="Tahoma" panose="020B0604030504040204" pitchFamily="34" charset="0"/>
+            </a:endParaRPr>
           </a:p>
           <a:p>
             <a:pPr marL="0" lvl="0" indent="0" algn="l" rtl="0">
@@ -25803,10 +26666,58 @@
               <a:buNone/>
             </a:pPr>
             <a:r>
-              <a:rPr lang="en-US" sz="1200"/>
-              <a:t>Branch (Btech/Mtech/PhD etc):			Stream (ECE, CSE etc):			Year (I,II,III,IV): </a:t>
+              <a:rPr lang="en-US" sz="1200" b="1" dirty="0" err="1">
+                <a:latin typeface="Tahoma" panose="020B0604030504040204" pitchFamily="34" charset="0"/>
+                <a:ea typeface="Tahoma" panose="020B0604030504040204" pitchFamily="34" charset="0"/>
+                <a:cs typeface="Tahoma" panose="020B0604030504040204" pitchFamily="34" charset="0"/>
+              </a:rPr>
+              <a:t>Msc</a:t>
             </a:r>
-            <a:endParaRPr/>
+            <a:r>
+              <a:rPr lang="en-US" sz="1200" b="1" dirty="0">
+                <a:latin typeface="Tahoma" panose="020B0604030504040204" pitchFamily="34" charset="0"/>
+                <a:ea typeface="Tahoma" panose="020B0604030504040204" pitchFamily="34" charset="0"/>
+                <a:cs typeface="Tahoma" panose="020B0604030504040204" pitchFamily="34" charset="0"/>
+              </a:rPr>
+              <a:t>.		</a:t>
+            </a:r>
+            <a:r>
+              <a:rPr lang="en-US" sz="1200" dirty="0">
+                <a:latin typeface="Tahoma" panose="020B0604030504040204" pitchFamily="34" charset="0"/>
+                <a:ea typeface="Tahoma" panose="020B0604030504040204" pitchFamily="34" charset="0"/>
+                <a:cs typeface="Tahoma" panose="020B0604030504040204" pitchFamily="34" charset="0"/>
+              </a:rPr>
+              <a:t>			Stream (ECE, CSE </a:t>
+            </a:r>
+            <a:r>
+              <a:rPr lang="en-US" sz="1200" dirty="0" err="1">
+                <a:latin typeface="Tahoma" panose="020B0604030504040204" pitchFamily="34" charset="0"/>
+                <a:ea typeface="Tahoma" panose="020B0604030504040204" pitchFamily="34" charset="0"/>
+                <a:cs typeface="Tahoma" panose="020B0604030504040204" pitchFamily="34" charset="0"/>
+              </a:rPr>
+              <a:t>etc</a:t>
+            </a:r>
+            <a:r>
+              <a:rPr lang="en-US" sz="1200" dirty="0">
+                <a:latin typeface="Tahoma" panose="020B0604030504040204" pitchFamily="34" charset="0"/>
+                <a:ea typeface="Tahoma" panose="020B0604030504040204" pitchFamily="34" charset="0"/>
+                <a:cs typeface="Tahoma" panose="020B0604030504040204" pitchFamily="34" charset="0"/>
+              </a:rPr>
+              <a:t>):			Year (I,II,III,IV): </a:t>
+            </a:r>
+            <a:r>
+              <a:rPr lang="en-US" sz="1200" b="1" dirty="0">
+                <a:latin typeface="Tahoma" panose="020B0604030504040204" pitchFamily="34" charset="0"/>
+                <a:ea typeface="Tahoma" panose="020B0604030504040204" pitchFamily="34" charset="0"/>
+                <a:cs typeface="Tahoma" panose="020B0604030504040204" pitchFamily="34" charset="0"/>
+              </a:rPr>
+              <a:t>I</a:t>
+            </a:r>
+            <a:endParaRPr b="1" dirty="0">
+              <a:latin typeface="Tahoma" panose="020B0604030504040204" pitchFamily="34" charset="0"/>
+              <a:ea typeface="Tahoma" panose="020B0604030504040204" pitchFamily="34" charset="0"/>
+              <a:cs typeface="Tahoma" panose="020B0604030504040204" pitchFamily="34" charset="0"/>
+            </a:endParaRPr>
           </a:p>
           <a:p>
             <a:pPr marL="0" lvl="0" indent="0" algn="l" rtl="0">
@@ -25826,14 +26737,35 @@
               <a:buNone/>
             </a:pPr>
             <a:r>
-              <a:rPr lang="en-US" sz="1200" b="1">
+              <a:rPr lang="en-US" sz="1200" b="1" dirty="0">
                 <a:solidFill>
                   <a:srgbClr val="5D7C3F"/>
                 </a:solidFill>
+                <a:latin typeface="Tahoma" panose="020B0604030504040204" pitchFamily="34" charset="0"/>
+                <a:ea typeface="Tahoma" panose="020B0604030504040204" pitchFamily="34" charset="0"/>
+                <a:cs typeface="Tahoma" panose="020B0604030504040204" pitchFamily="34" charset="0"/>
               </a:rPr>
-              <a:t>Team Member 4 Name: Type Your Name Here</a:t>
+              <a:t>Team Member 4 Name: </a:t>
             </a:r>
-            <a:endParaRPr/>
+            <a:r>
+              <a:rPr lang="en-US" sz="1200" b="1" dirty="0">
+                <a:solidFill>
+                  <a:schemeClr val="tx1"/>
+                </a:solidFill>
+                <a:latin typeface="Tahoma" panose="020B0604030504040204" pitchFamily="34" charset="0"/>
+                <a:ea typeface="Tahoma" panose="020B0604030504040204" pitchFamily="34" charset="0"/>
+                <a:cs typeface="Tahoma" panose="020B0604030504040204" pitchFamily="34" charset="0"/>
+              </a:rPr>
+              <a:t>PATEL DIGVIJAY</a:t>
+            </a:r>
+            <a:endParaRPr b="1" dirty="0">
+              <a:solidFill>
+                <a:schemeClr val="tx1"/>
+              </a:solidFill>
+              <a:latin typeface="Tahoma" panose="020B0604030504040204" pitchFamily="34" charset="0"/>
+              <a:ea typeface="Tahoma" panose="020B0604030504040204" pitchFamily="34" charset="0"/>
+              <a:cs typeface="Tahoma" panose="020B0604030504040204" pitchFamily="34" charset="0"/>
+            </a:endParaRPr>
           </a:p>
           <a:p>
             <a:pPr marL="0" lvl="0" indent="0" algn="l" rtl="0">
@@ -25853,10 +26785,58 @@
               <a:buNone/>
             </a:pPr>
             <a:r>
-              <a:rPr lang="en-US" sz="1200"/>
-              <a:t>Branch (Btech/Mtech/PhD etc):			Stream (ECE, CSE etc):			Year (I,II,III,IV): </a:t>
+              <a:rPr lang="en-US" sz="1200" b="1" dirty="0" err="1">
+                <a:latin typeface="Tahoma" panose="020B0604030504040204" pitchFamily="34" charset="0"/>
+                <a:ea typeface="Tahoma" panose="020B0604030504040204" pitchFamily="34" charset="0"/>
+                <a:cs typeface="Tahoma" panose="020B0604030504040204" pitchFamily="34" charset="0"/>
+              </a:rPr>
+              <a:t>Msc</a:t>
             </a:r>
-            <a:endParaRPr/>
+            <a:r>
+              <a:rPr lang="en-US" sz="1200" b="1" dirty="0">
+                <a:latin typeface="Tahoma" panose="020B0604030504040204" pitchFamily="34" charset="0"/>
+                <a:ea typeface="Tahoma" panose="020B0604030504040204" pitchFamily="34" charset="0"/>
+                <a:cs typeface="Tahoma" panose="020B0604030504040204" pitchFamily="34" charset="0"/>
+              </a:rPr>
+              <a:t>.		</a:t>
+            </a:r>
+            <a:r>
+              <a:rPr lang="en-US" sz="1200" dirty="0">
+                <a:latin typeface="Tahoma" panose="020B0604030504040204" pitchFamily="34" charset="0"/>
+                <a:ea typeface="Tahoma" panose="020B0604030504040204" pitchFamily="34" charset="0"/>
+                <a:cs typeface="Tahoma" panose="020B0604030504040204" pitchFamily="34" charset="0"/>
+              </a:rPr>
+              <a:t>			Stream (ECE, CSE </a:t>
+            </a:r>
+            <a:r>
+              <a:rPr lang="en-US" sz="1200" dirty="0" err="1">
+                <a:latin typeface="Tahoma" panose="020B0604030504040204" pitchFamily="34" charset="0"/>
+                <a:ea typeface="Tahoma" panose="020B0604030504040204" pitchFamily="34" charset="0"/>
+                <a:cs typeface="Tahoma" panose="020B0604030504040204" pitchFamily="34" charset="0"/>
+              </a:rPr>
+              <a:t>etc</a:t>
+            </a:r>
+            <a:r>
+              <a:rPr lang="en-US" sz="1200" dirty="0">
+                <a:latin typeface="Tahoma" panose="020B0604030504040204" pitchFamily="34" charset="0"/>
+                <a:ea typeface="Tahoma" panose="020B0604030504040204" pitchFamily="34" charset="0"/>
+                <a:cs typeface="Tahoma" panose="020B0604030504040204" pitchFamily="34" charset="0"/>
+              </a:rPr>
+              <a:t>):			Year (I,II,III,IV): </a:t>
+            </a:r>
+            <a:r>
+              <a:rPr lang="en-US" sz="1200" b="1" dirty="0">
+                <a:latin typeface="Tahoma" panose="020B0604030504040204" pitchFamily="34" charset="0"/>
+                <a:ea typeface="Tahoma" panose="020B0604030504040204" pitchFamily="34" charset="0"/>
+                <a:cs typeface="Tahoma" panose="020B0604030504040204" pitchFamily="34" charset="0"/>
+              </a:rPr>
+              <a:t>I</a:t>
+            </a:r>
+            <a:endParaRPr b="1" dirty="0">
+              <a:latin typeface="Tahoma" panose="020B0604030504040204" pitchFamily="34" charset="0"/>
+              <a:ea typeface="Tahoma" panose="020B0604030504040204" pitchFamily="34" charset="0"/>
+              <a:cs typeface="Tahoma" panose="020B0604030504040204" pitchFamily="34" charset="0"/>
+            </a:endParaRPr>
           </a:p>
           <a:p>
             <a:pPr marL="0" lvl="0" indent="0" algn="l" rtl="0">
@@ -25876,14 +26856,35 @@
               <a:buNone/>
             </a:pPr>
             <a:r>
-              <a:rPr lang="en-US" sz="1200" b="1">
+              <a:rPr lang="en-US" sz="1200" b="1" dirty="0">
                 <a:solidFill>
                   <a:srgbClr val="5D7C3F"/>
                 </a:solidFill>
+                <a:latin typeface="Tahoma" panose="020B0604030504040204" pitchFamily="34" charset="0"/>
+                <a:ea typeface="Tahoma" panose="020B0604030504040204" pitchFamily="34" charset="0"/>
+                <a:cs typeface="Tahoma" panose="020B0604030504040204" pitchFamily="34" charset="0"/>
               </a:rPr>
-              <a:t>Team Member 5 Name: Type Your Name Here</a:t>
+              <a:t>Team Member 5 Name: </a:t>
             </a:r>
-            <a:endParaRPr/>
+            <a:r>
+              <a:rPr lang="en-US" sz="1200" b="1" dirty="0">
+                <a:solidFill>
+                  <a:schemeClr val="tx1"/>
+                </a:solidFill>
+                <a:latin typeface="Tahoma" panose="020B0604030504040204" pitchFamily="34" charset="0"/>
+                <a:ea typeface="Tahoma" panose="020B0604030504040204" pitchFamily="34" charset="0"/>
+                <a:cs typeface="Tahoma" panose="020B0604030504040204" pitchFamily="34" charset="0"/>
+              </a:rPr>
+              <a:t>RAVAL VISHVA</a:t>
+            </a:r>
+            <a:endParaRPr dirty="0">
+              <a:solidFill>
+                <a:schemeClr val="tx1"/>
+              </a:solidFill>
+              <a:latin typeface="Tahoma" panose="020B0604030504040204" pitchFamily="34" charset="0"/>
+              <a:ea typeface="Tahoma" panose="020B0604030504040204" pitchFamily="34" charset="0"/>
+              <a:cs typeface="Tahoma" panose="020B0604030504040204" pitchFamily="34" charset="0"/>
+            </a:endParaRPr>
           </a:p>
           <a:p>
             <a:pPr marL="0" lvl="0" indent="0" algn="l" rtl="0">
@@ -25903,10 +26904,58 @@
               <a:buNone/>
             </a:pPr>
             <a:r>
-              <a:rPr lang="en-US" sz="1200"/>
-              <a:t>Branch (Btech/Mtech/PhD etc):			Stream (ECE, CSE etc):			Year (I,II,III,IV): </a:t>
+              <a:rPr lang="en-US" sz="1200" b="1" dirty="0" err="1">
+                <a:latin typeface="Tahoma" panose="020B0604030504040204" pitchFamily="34" charset="0"/>
+                <a:ea typeface="Tahoma" panose="020B0604030504040204" pitchFamily="34" charset="0"/>
+                <a:cs typeface="Tahoma" panose="020B0604030504040204" pitchFamily="34" charset="0"/>
+              </a:rPr>
+              <a:t>Msc</a:t>
             </a:r>
-            <a:endParaRPr/>
+            <a:r>
+              <a:rPr lang="en-US" sz="1200" b="1" dirty="0">
+                <a:latin typeface="Tahoma" panose="020B0604030504040204" pitchFamily="34" charset="0"/>
+                <a:ea typeface="Tahoma" panose="020B0604030504040204" pitchFamily="34" charset="0"/>
+                <a:cs typeface="Tahoma" panose="020B0604030504040204" pitchFamily="34" charset="0"/>
+              </a:rPr>
+              <a:t>.		</a:t>
+            </a:r>
+            <a:r>
+              <a:rPr lang="en-US" sz="1200" dirty="0">
+                <a:latin typeface="Tahoma" panose="020B0604030504040204" pitchFamily="34" charset="0"/>
+                <a:ea typeface="Tahoma" panose="020B0604030504040204" pitchFamily="34" charset="0"/>
+                <a:cs typeface="Tahoma" panose="020B0604030504040204" pitchFamily="34" charset="0"/>
+              </a:rPr>
+              <a:t>			Stream (ECE, CSE </a:t>
+            </a:r>
+            <a:r>
+              <a:rPr lang="en-US" sz="1200" dirty="0" err="1">
+                <a:latin typeface="Tahoma" panose="020B0604030504040204" pitchFamily="34" charset="0"/>
+                <a:ea typeface="Tahoma" panose="020B0604030504040204" pitchFamily="34" charset="0"/>
+                <a:cs typeface="Tahoma" panose="020B0604030504040204" pitchFamily="34" charset="0"/>
+              </a:rPr>
+              <a:t>etc</a:t>
+            </a:r>
+            <a:r>
+              <a:rPr lang="en-US" sz="1200" dirty="0">
+                <a:latin typeface="Tahoma" panose="020B0604030504040204" pitchFamily="34" charset="0"/>
+                <a:ea typeface="Tahoma" panose="020B0604030504040204" pitchFamily="34" charset="0"/>
+                <a:cs typeface="Tahoma" panose="020B0604030504040204" pitchFamily="34" charset="0"/>
+              </a:rPr>
+              <a:t>):			Year (I,II,III,IV): </a:t>
+            </a:r>
+            <a:r>
+              <a:rPr lang="en-US" sz="1200" b="1" dirty="0">
+                <a:latin typeface="Tahoma" panose="020B0604030504040204" pitchFamily="34" charset="0"/>
+                <a:ea typeface="Tahoma" panose="020B0604030504040204" pitchFamily="34" charset="0"/>
+                <a:cs typeface="Tahoma" panose="020B0604030504040204" pitchFamily="34" charset="0"/>
+              </a:rPr>
+              <a:t>I</a:t>
+            </a:r>
+            <a:endParaRPr b="1" dirty="0">
+              <a:latin typeface="Tahoma" panose="020B0604030504040204" pitchFamily="34" charset="0"/>
+              <a:ea typeface="Tahoma" panose="020B0604030504040204" pitchFamily="34" charset="0"/>
+              <a:cs typeface="Tahoma" panose="020B0604030504040204" pitchFamily="34" charset="0"/>
+            </a:endParaRPr>
           </a:p>
           <a:p>
             <a:pPr marL="0" lvl="0" indent="0" algn="l" rtl="0">
@@ -25926,14 +26975,21 @@
               <a:buNone/>
             </a:pPr>
             <a:r>
-              <a:rPr lang="en-US" sz="1200" b="1">
+              <a:rPr lang="en-US" sz="1200" b="1" dirty="0">
                 <a:solidFill>
                   <a:srgbClr val="804160"/>
                 </a:solidFill>
+                <a:latin typeface="Tahoma" panose="020B0604030504040204" pitchFamily="34" charset="0"/>
+                <a:ea typeface="Tahoma" panose="020B0604030504040204" pitchFamily="34" charset="0"/>
+                <a:cs typeface="Tahoma" panose="020B0604030504040204" pitchFamily="34" charset="0"/>
               </a:rPr>
               <a:t>Team Mentor 1 Name: Type Your Name Here</a:t>
             </a:r>
-            <a:endParaRPr/>
+            <a:endParaRPr dirty="0">
+              <a:latin typeface="Tahoma" panose="020B0604030504040204" pitchFamily="34" charset="0"/>
+              <a:ea typeface="Tahoma" panose="020B0604030504040204" pitchFamily="34" charset="0"/>
+              <a:cs typeface="Tahoma" panose="020B0604030504040204" pitchFamily="34" charset="0"/>
+            </a:endParaRPr>
           </a:p>
           <a:p>
             <a:pPr marL="0" lvl="0" indent="0" algn="l" rtl="0">
@@ -25953,10 +27009,34 @@
               <a:buNone/>
             </a:pPr>
             <a:r>
-              <a:rPr lang="en-US" sz="1200"/>
-              <a:t>Category (Academic/Industry): 			Expertise (AI/ML/Blockchain etc): 		Domain Experience (in years):    </a:t>
+              <a:rPr lang="en-US" sz="1200" dirty="0">
+                <a:latin typeface="Tahoma" panose="020B0604030504040204" pitchFamily="34" charset="0"/>
+                <a:ea typeface="Tahoma" panose="020B0604030504040204" pitchFamily="34" charset="0"/>
+                <a:cs typeface="Tahoma" panose="020B0604030504040204" pitchFamily="34" charset="0"/>
+              </a:rPr>
+              <a:t>Category (Academic/Industry): 			Expertise (AI/ML/Blockchain </a:t>
             </a:r>
-            <a:endParaRPr/>
+            <a:r>
+              <a:rPr lang="en-US" sz="1200" dirty="0" err="1">
+                <a:latin typeface="Tahoma" panose="020B0604030504040204" pitchFamily="34" charset="0"/>
+                <a:ea typeface="Tahoma" panose="020B0604030504040204" pitchFamily="34" charset="0"/>
+                <a:cs typeface="Tahoma" panose="020B0604030504040204" pitchFamily="34" charset="0"/>
+              </a:rPr>
+              <a:t>etc</a:t>
+            </a:r>
+            <a:r>
+              <a:rPr lang="en-US" sz="1200" dirty="0">
+                <a:latin typeface="Tahoma" panose="020B0604030504040204" pitchFamily="34" charset="0"/>
+                <a:ea typeface="Tahoma" panose="020B0604030504040204" pitchFamily="34" charset="0"/>
+                <a:cs typeface="Tahoma" panose="020B0604030504040204" pitchFamily="34" charset="0"/>
+              </a:rPr>
+              <a:t>): 		Domain Experience (in years):    </a:t>
+            </a:r>
+            <a:endParaRPr dirty="0">
+              <a:latin typeface="Tahoma" panose="020B0604030504040204" pitchFamily="34" charset="0"/>
+              <a:ea typeface="Tahoma" panose="020B0604030504040204" pitchFamily="34" charset="0"/>
+              <a:cs typeface="Tahoma" panose="020B0604030504040204" pitchFamily="34" charset="0"/>
+            </a:endParaRPr>
           </a:p>
           <a:p>
             <a:pPr marL="0" lvl="0" indent="0" algn="l" rtl="0">
@@ -25976,14 +27056,21 @@
               <a:buNone/>
             </a:pPr>
             <a:r>
-              <a:rPr lang="en-US" sz="1200" b="1">
+              <a:rPr lang="en-US" sz="1200" b="1" dirty="0">
                 <a:solidFill>
                   <a:srgbClr val="804160"/>
                 </a:solidFill>
+                <a:latin typeface="Tahoma" panose="020B0604030504040204" pitchFamily="34" charset="0"/>
+                <a:ea typeface="Tahoma" panose="020B0604030504040204" pitchFamily="34" charset="0"/>
+                <a:cs typeface="Tahoma" panose="020B0604030504040204" pitchFamily="34" charset="0"/>
               </a:rPr>
               <a:t>Team Mentor 2 Name: Type Your Name Here</a:t>
             </a:r>
-            <a:endParaRPr/>
+            <a:endParaRPr dirty="0">
+              <a:latin typeface="Tahoma" panose="020B0604030504040204" pitchFamily="34" charset="0"/>
+              <a:ea typeface="Tahoma" panose="020B0604030504040204" pitchFamily="34" charset="0"/>
+              <a:cs typeface="Tahoma" panose="020B0604030504040204" pitchFamily="34" charset="0"/>
+            </a:endParaRPr>
           </a:p>
           <a:p>
             <a:pPr marL="0" lvl="0" indent="0" algn="l" rtl="0">
@@ -26003,410 +27090,34 @@
               <a:buNone/>
             </a:pPr>
             <a:r>
-              <a:rPr lang="en-US" sz="1200"/>
-              <a:t>Category (Academic/Industry):		 	Expertise (AI/ML/Blockchain etc): 		Domain Experience (in years):    </a:t>
+              <a:rPr lang="en-US" sz="1200" dirty="0">
+                <a:latin typeface="Tahoma" panose="020B0604030504040204" pitchFamily="34" charset="0"/>
+                <a:ea typeface="Tahoma" panose="020B0604030504040204" pitchFamily="34" charset="0"/>
+                <a:cs typeface="Tahoma" panose="020B0604030504040204" pitchFamily="34" charset="0"/>
+              </a:rPr>
+              <a:t>Category (Academic/Industry):		 	Expertise (AI/ML/Blockchain </a:t>
             </a:r>
-            <a:endParaRPr/>
-          </a:p>
-        </p:txBody>
-      </p:sp>
-    </p:spTree>
-  </p:cSld>
-  <p:clrMapOvr>
-    <a:masterClrMapping/>
-  </p:clrMapOvr>
-</p:sld>
-</file>
-
-<file path=ppt/slides/slide5.xml><?xml version="1.0" encoding="utf-8"?>
-<p:sld xmlns:a="http://schemas.openxmlformats.org/drawingml/2006/main" xmlns:r="http://schemas.openxmlformats.org/officeDocument/2006/relationships" xmlns:p="http://schemas.openxmlformats.org/presentationml/2006/main">
-  <p:cSld>
-    <p:spTree>
-      <p:nvGrpSpPr>
-        <p:cNvPr id="1" name="Shape 242"/>
-        <p:cNvGrpSpPr/>
-        <p:nvPr/>
-      </p:nvGrpSpPr>
-      <p:grpSpPr>
-        <a:xfrm>
-          <a:off x="0" y="0"/>
-          <a:ext cx="0" cy="0"/>
-          <a:chOff x="0" y="0"/>
-          <a:chExt cx="0" cy="0"/>
-        </a:xfrm>
-      </p:grpSpPr>
-      <p:sp>
-        <p:nvSpPr>
-          <p:cNvPr id="243" name="Google Shape;243;p5"/>
-          <p:cNvSpPr txBox="1">
-            <a:spLocks noGrp="1"/>
-          </p:cNvSpPr>
-          <p:nvPr>
-            <p:ph type="title"/>
-          </p:nvPr>
-        </p:nvSpPr>
-        <p:spPr>
-          <a:xfrm>
-            <a:off x="964023" y="879063"/>
-            <a:ext cx="4941477" cy="610863"/>
-          </a:xfrm>
-          <a:prstGeom prst="rect">
-            <a:avLst/>
-          </a:prstGeom>
-          <a:noFill/>
-          <a:ln>
-            <a:noFill/>
-          </a:ln>
-        </p:spPr>
-        <p:txBody>
-          <a:bodyPr spcFirstLastPara="1" wrap="square" lIns="0" tIns="0" rIns="0" bIns="0" anchor="b" anchorCtr="0">
-            <a:normAutofit/>
-          </a:bodyPr>
-          <a:lstStyle/>
-          <a:p>
-            <a:pPr marL="0" lvl="0" indent="0" algn="l" rtl="0">
-              <a:lnSpc>
-                <a:spcPct val="90000"/>
-              </a:lnSpc>
-              <a:spcBef>
-                <a:spcPts val="0"/>
-              </a:spcBef>
-              <a:spcAft>
-                <a:spcPts val="0"/>
-              </a:spcAft>
-              <a:buClr>
-                <a:schemeClr val="dk1"/>
-              </a:buClr>
-              <a:buSzPts val="4400"/>
-              <a:buFont typeface="Franklin Gothic"/>
-              <a:buNone/>
-            </a:pPr>
             <a:r>
-              <a:rPr lang="en-US"/>
-              <a:t>Important Pointers</a:t>
+              <a:rPr lang="en-US" sz="1200" dirty="0" err="1">
+                <a:latin typeface="Tahoma" panose="020B0604030504040204" pitchFamily="34" charset="0"/>
+                <a:ea typeface="Tahoma" panose="020B0604030504040204" pitchFamily="34" charset="0"/>
+                <a:cs typeface="Tahoma" panose="020B0604030504040204" pitchFamily="34" charset="0"/>
+              </a:rPr>
+              <a:t>etc</a:t>
             </a:r>
-            <a:endParaRPr/>
-          </a:p>
-        </p:txBody>
-      </p:sp>
-      <p:sp>
-        <p:nvSpPr>
-          <p:cNvPr id="244" name="Google Shape;244;p5"/>
-          <p:cNvSpPr txBox="1">
-            <a:spLocks noGrp="1"/>
-          </p:cNvSpPr>
-          <p:nvPr>
-            <p:ph type="body" idx="2"/>
-          </p:nvPr>
-        </p:nvSpPr>
-        <p:spPr>
-          <a:xfrm>
-            <a:off x="952500" y="2286000"/>
-            <a:ext cx="4838700" cy="315915"/>
-          </a:xfrm>
-          <a:prstGeom prst="rect">
-            <a:avLst/>
-          </a:prstGeom>
-          <a:noFill/>
-          <a:ln>
-            <a:noFill/>
-          </a:ln>
-        </p:spPr>
-        <p:txBody>
-          <a:bodyPr spcFirstLastPara="1" wrap="square" lIns="91425" tIns="45700" rIns="91425" bIns="45700" anchor="t" anchorCtr="0">
-            <a:noAutofit/>
-          </a:bodyPr>
-          <a:lstStyle/>
-          <a:p>
-            <a:pPr marL="228600" lvl="0" indent="-228600" algn="l" rtl="0">
-              <a:lnSpc>
-                <a:spcPct val="90000"/>
-              </a:lnSpc>
-              <a:spcBef>
-                <a:spcPts val="0"/>
-              </a:spcBef>
-              <a:spcAft>
-                <a:spcPts val="0"/>
-              </a:spcAft>
-              <a:buClr>
-                <a:schemeClr val="lt2"/>
-              </a:buClr>
-              <a:buSzPts val="1800"/>
-              <a:buNone/>
-            </a:pPr>
             <a:r>
-              <a:rPr lang="en-US"/>
-              <a:t>Please ensure below pointers are met while  </a:t>
+              <a:rPr lang="en-US" sz="1200" dirty="0">
+                <a:latin typeface="Tahoma" panose="020B0604030504040204" pitchFamily="34" charset="0"/>
+                <a:ea typeface="Tahoma" panose="020B0604030504040204" pitchFamily="34" charset="0"/>
+                <a:cs typeface="Tahoma" panose="020B0604030504040204" pitchFamily="34" charset="0"/>
+              </a:rPr>
+              <a:t>): 		Domain Experience (in years):    </a:t>
             </a:r>
-            <a:endParaRPr/>
-          </a:p>
-        </p:txBody>
-      </p:sp>
-      <p:sp>
-        <p:nvSpPr>
-          <p:cNvPr id="245" name="Google Shape;245;p5"/>
-          <p:cNvSpPr txBox="1">
-            <a:spLocks noGrp="1"/>
-          </p:cNvSpPr>
-          <p:nvPr>
-            <p:ph type="body" idx="1"/>
-          </p:nvPr>
-        </p:nvSpPr>
-        <p:spPr>
-          <a:xfrm>
-            <a:off x="952499" y="2656903"/>
-            <a:ext cx="10572561" cy="3922968"/>
-          </a:xfrm>
-          <a:prstGeom prst="rect">
-            <a:avLst/>
-          </a:prstGeom>
-          <a:noFill/>
-          <a:ln>
-            <a:noFill/>
-          </a:ln>
-        </p:spPr>
-        <p:txBody>
-          <a:bodyPr spcFirstLastPara="1" wrap="square" lIns="91425" tIns="45700" rIns="91425" bIns="45700" anchor="t" anchorCtr="0">
-            <a:noAutofit/>
-          </a:bodyPr>
-          <a:lstStyle/>
-          <a:p>
-            <a:pPr marL="285750" lvl="0" indent="-285750" algn="l" rtl="0">
-              <a:lnSpc>
-                <a:spcPct val="90000"/>
-              </a:lnSpc>
-              <a:spcBef>
-                <a:spcPts val="0"/>
-              </a:spcBef>
-              <a:spcAft>
-                <a:spcPts val="0"/>
-              </a:spcAft>
-              <a:buClr>
-                <a:schemeClr val="dk1"/>
-              </a:buClr>
-              <a:buSzPts val="1600"/>
-              <a:buFont typeface="Noto Sans Symbols"/>
-              <a:buChar char="⮚"/>
-            </a:pPr>
-            <a:r>
-              <a:rPr lang="en-US"/>
-              <a:t>Kindly keep the maximum slides limit to 4 pages</a:t>
-            </a:r>
-            <a:endParaRPr/>
-          </a:p>
-          <a:p>
-            <a:pPr marL="285750" lvl="0" indent="-285750" algn="l" rtl="0">
-              <a:lnSpc>
-                <a:spcPct val="90000"/>
-              </a:lnSpc>
-              <a:spcBef>
-                <a:spcPts val="1000"/>
-              </a:spcBef>
-              <a:spcAft>
-                <a:spcPts val="0"/>
-              </a:spcAft>
-              <a:buClr>
-                <a:schemeClr val="dk1"/>
-              </a:buClr>
-              <a:buSzPts val="1600"/>
-              <a:buFont typeface="Noto Sans Symbols"/>
-              <a:buChar char="⮚"/>
-            </a:pPr>
-            <a:r>
-              <a:rPr lang="en-US"/>
-              <a:t>All the topics should be utilized for description of your idea</a:t>
-            </a:r>
-            <a:endParaRPr/>
-          </a:p>
-          <a:p>
-            <a:pPr marL="285750" lvl="0" indent="-285750" algn="l" rtl="0">
-              <a:lnSpc>
-                <a:spcPct val="90000"/>
-              </a:lnSpc>
-              <a:spcBef>
-                <a:spcPts val="1000"/>
-              </a:spcBef>
-              <a:spcAft>
-                <a:spcPts val="0"/>
-              </a:spcAft>
-              <a:buClr>
-                <a:schemeClr val="dk1"/>
-              </a:buClr>
-              <a:buSzPts val="1600"/>
-              <a:buFont typeface="Noto Sans Symbols"/>
-              <a:buChar char="⮚"/>
-            </a:pPr>
-            <a:r>
-              <a:rPr lang="en-US"/>
-              <a:t>Try to avoid paragraphs and post your idea in points</a:t>
-            </a:r>
-            <a:endParaRPr/>
-          </a:p>
-          <a:p>
-            <a:pPr marL="285750" lvl="0" indent="-285750" algn="l" rtl="0">
-              <a:lnSpc>
-                <a:spcPct val="90000"/>
-              </a:lnSpc>
-              <a:spcBef>
-                <a:spcPts val="1000"/>
-              </a:spcBef>
-              <a:spcAft>
-                <a:spcPts val="0"/>
-              </a:spcAft>
-              <a:buClr>
-                <a:schemeClr val="dk1"/>
-              </a:buClr>
-              <a:buSzPts val="1600"/>
-              <a:buFont typeface="Noto Sans Symbols"/>
-              <a:buChar char="⮚"/>
-            </a:pPr>
-            <a:r>
-              <a:rPr lang="en-US"/>
-              <a:t>Keep your explanation precisely and easy to understand</a:t>
-            </a:r>
-            <a:endParaRPr/>
-          </a:p>
-          <a:p>
-            <a:pPr marL="285750" lvl="0" indent="-285750" algn="l" rtl="0">
-              <a:lnSpc>
-                <a:spcPct val="90000"/>
-              </a:lnSpc>
-              <a:spcBef>
-                <a:spcPts val="1000"/>
-              </a:spcBef>
-              <a:spcAft>
-                <a:spcPts val="0"/>
-              </a:spcAft>
-              <a:buClr>
-                <a:schemeClr val="dk1"/>
-              </a:buClr>
-              <a:buSzPts val="1600"/>
-              <a:buFont typeface="Noto Sans Symbols"/>
-              <a:buChar char="⮚"/>
-            </a:pPr>
-            <a:r>
-              <a:rPr lang="en-US"/>
-              <a:t>Idea should be unique and novel. If it has a business potential more weightage will be given. </a:t>
-            </a:r>
-            <a:endParaRPr/>
-          </a:p>
-          <a:p>
-            <a:pPr marL="285750" lvl="0" indent="-285750" algn="l" rtl="0">
-              <a:lnSpc>
-                <a:spcPct val="90000"/>
-              </a:lnSpc>
-              <a:spcBef>
-                <a:spcPts val="1000"/>
-              </a:spcBef>
-              <a:spcAft>
-                <a:spcPts val="0"/>
-              </a:spcAft>
-              <a:buClr>
-                <a:schemeClr val="dk1"/>
-              </a:buClr>
-              <a:buSzPts val="1600"/>
-              <a:buFont typeface="Noto Sans Symbols"/>
-              <a:buChar char="⮚"/>
-            </a:pPr>
-            <a:r>
-              <a:rPr lang="en-US"/>
-              <a:t>Apart from this PPT abstract of your idea will be asked separately while submitting</a:t>
-            </a:r>
-            <a:endParaRPr/>
-          </a:p>
-          <a:p>
-            <a:pPr marL="285750" lvl="0" indent="-285750" algn="l" rtl="0">
-              <a:lnSpc>
-                <a:spcPct val="90000"/>
-              </a:lnSpc>
-              <a:spcBef>
-                <a:spcPts val="1000"/>
-              </a:spcBef>
-              <a:spcAft>
-                <a:spcPts val="0"/>
-              </a:spcAft>
-              <a:buClr>
-                <a:schemeClr val="dk1"/>
-              </a:buClr>
-              <a:buSzPts val="1600"/>
-              <a:buFont typeface="Noto Sans Symbols"/>
-              <a:buChar char="⮚"/>
-            </a:pPr>
-            <a:r>
-              <a:rPr lang="en-US"/>
-              <a:t>You need to save the file in PDF and upload the same on portal. No PPT, Word Doc or any other format will be supported</a:t>
-            </a:r>
-            <a:endParaRPr/>
-          </a:p>
-          <a:p>
-            <a:pPr marL="285750" lvl="0" indent="-285750" algn="l" rtl="0">
-              <a:lnSpc>
-                <a:spcPct val="90000"/>
-              </a:lnSpc>
-              <a:spcBef>
-                <a:spcPts val="1000"/>
-              </a:spcBef>
-              <a:spcAft>
-                <a:spcPts val="0"/>
-              </a:spcAft>
-              <a:buClr>
-                <a:schemeClr val="dk1"/>
-              </a:buClr>
-              <a:buSzPts val="1600"/>
-              <a:buFont typeface="Noto Sans Symbols"/>
-              <a:buChar char="⮚"/>
-            </a:pPr>
-            <a:r>
-              <a:rPr lang="en-US"/>
-              <a:t>You can delete this slide (Important Pointers) when you upload the details of your idea on SIH portal.</a:t>
-            </a:r>
-            <a:endParaRPr/>
-          </a:p>
-        </p:txBody>
-      </p:sp>
-      <p:sp>
-        <p:nvSpPr>
-          <p:cNvPr id="246" name="Google Shape;246;p5"/>
-          <p:cNvSpPr txBox="1">
-            <a:spLocks noGrp="1"/>
-          </p:cNvSpPr>
-          <p:nvPr>
-            <p:ph type="sldNum" idx="12"/>
-          </p:nvPr>
-        </p:nvSpPr>
-        <p:spPr>
-          <a:xfrm>
-            <a:off x="971550" y="6332220"/>
-            <a:ext cx="523240" cy="247651"/>
-          </a:xfrm>
-          <a:prstGeom prst="rect">
-            <a:avLst/>
-          </a:prstGeom>
-          <a:noFill/>
-          <a:ln>
-            <a:noFill/>
-          </a:ln>
-        </p:spPr>
-        <p:txBody>
-          <a:bodyPr spcFirstLastPara="1" wrap="square" lIns="0" tIns="0" rIns="0" bIns="0" anchor="t" anchorCtr="0">
-            <a:noAutofit/>
-          </a:bodyPr>
-          <a:lstStyle/>
-          <a:p>
-            <a:pPr marL="0" lvl="0" indent="0" algn="l" rtl="0">
-              <a:spcBef>
-                <a:spcPts val="0"/>
-              </a:spcBef>
-              <a:spcAft>
-                <a:spcPts val="0"/>
-              </a:spcAft>
-              <a:buNone/>
-            </a:pPr>
-            <a:fld id="{00000000-1234-1234-1234-123412341234}" type="slidenum">
-              <a:rPr lang="en-US"/>
-              <a:t>5</a:t>
-            </a:fld>
-            <a:endParaRPr/>
+            <a:endParaRPr dirty="0">
+              <a:latin typeface="Tahoma" panose="020B0604030504040204" pitchFamily="34" charset="0"/>
+              <a:ea typeface="Tahoma" panose="020B0604030504040204" pitchFamily="34" charset="0"/>
+              <a:cs typeface="Tahoma" panose="020B0604030504040204" pitchFamily="34" charset="0"/>
+            </a:endParaRPr>
           </a:p>
         </p:txBody>
       </p:sp>
